--- a/docs/Product Injuries.pptx
+++ b/docs/Product Injuries.pptx
@@ -150,7 +150,7 @@
   <pc:docChgLst>
     <pc:chgData name="Tami McManus" userId="4a41d8b392a254fb" providerId="LiveId" clId="{2C0686C3-ACD8-4393-BE92-A40A75016DFC}"/>
     <pc:docChg chg="custSel addSld delSld modSld sldOrd">
-      <pc:chgData name="Tami McManus" userId="4a41d8b392a254fb" providerId="LiveId" clId="{2C0686C3-ACD8-4393-BE92-A40A75016DFC}" dt="2024-01-19T23:53:06.293" v="2780" actId="20577"/>
+      <pc:chgData name="Tami McManus" userId="4a41d8b392a254fb" providerId="LiveId" clId="{2C0686C3-ACD8-4393-BE92-A40A75016DFC}" dt="2024-01-22T20:26:48.149" v="2849" actId="20577"/>
       <pc:docMkLst>
         <pc:docMk/>
       </pc:docMkLst>
@@ -170,13 +170,13 @@
         </pc:spChg>
       </pc:sldChg>
       <pc:sldChg chg="modSp mod">
-        <pc:chgData name="Tami McManus" userId="4a41d8b392a254fb" providerId="LiveId" clId="{2C0686C3-ACD8-4393-BE92-A40A75016DFC}" dt="2024-01-19T21:29:44.565" v="1620" actId="20577"/>
+        <pc:chgData name="Tami McManus" userId="4a41d8b392a254fb" providerId="LiveId" clId="{2C0686C3-ACD8-4393-BE92-A40A75016DFC}" dt="2024-01-22T20:26:48.149" v="2849" actId="20577"/>
         <pc:sldMkLst>
           <pc:docMk/>
           <pc:sldMk cId="1109332271" sldId="299"/>
         </pc:sldMkLst>
         <pc:spChg chg="mod">
-          <ac:chgData name="Tami McManus" userId="4a41d8b392a254fb" providerId="LiveId" clId="{2C0686C3-ACD8-4393-BE92-A40A75016DFC}" dt="2024-01-19T21:29:44.565" v="1620" actId="20577"/>
+          <ac:chgData name="Tami McManus" userId="4a41d8b392a254fb" providerId="LiveId" clId="{2C0686C3-ACD8-4393-BE92-A40A75016DFC}" dt="2024-01-22T20:26:48.149" v="2849" actId="20577"/>
           <ac:spMkLst>
             <pc:docMk/>
             <pc:sldMk cId="1109332271" sldId="299"/>
@@ -4792,7 +4792,7 @@
           <a:p>
             <a:fld id="{367A1AC4-3AE8-4F87-AAED-904EC6054702}" type="datetimeFigureOut">
               <a:rPr lang="en-US" smtClean="0"/>
-              <a:t>1/19/2024</a:t>
+              <a:t>1/22/2024</a:t>
             </a:fld>
             <a:endParaRPr lang="en-US" dirty="0"/>
           </a:p>
@@ -4969,7 +4969,7 @@
           <a:p>
             <a:fld id="{C5556653-6123-4FE4-861F-5F9583BF59B0}" type="datetimeFigureOut">
               <a:rPr lang="en-US" smtClean="0"/>
-              <a:t>1/19/2024</a:t>
+              <a:t>1/22/2024</a:t>
             </a:fld>
             <a:endParaRPr lang="en-US" dirty="0"/>
           </a:p>
@@ -6589,7 +6589,7 @@
                   </a:outerShdw>
                 </a:effectLst>
               </a:rPr>
-              <a:t>1/19/2024</a:t>
+              <a:t>1/22/2024</a:t>
             </a:fld>
             <a:endParaRPr lang="en-US" dirty="0">
               <a:solidFill>
@@ -7387,7 +7387,7 @@
             <a:fld id="{DD9E41B7-A2DB-4285-A7A5-A1084718EB55}" type="datetime1">
               <a:rPr lang="en-US" smtClean="0"/>
               <a:pPr/>
-              <a:t>1/19/2024</a:t>
+              <a:t>1/22/2024</a:t>
             </a:fld>
             <a:endParaRPr lang="en-US" dirty="0"/>
           </a:p>
@@ -8247,7 +8247,7 @@
             <a:fld id="{DD9E41B7-A2DB-4285-A7A5-A1084718EB55}" type="datetime1">
               <a:rPr lang="en-US" smtClean="0"/>
               <a:pPr/>
-              <a:t>1/19/2024</a:t>
+              <a:t>1/22/2024</a:t>
             </a:fld>
             <a:endParaRPr lang="en-US" dirty="0"/>
           </a:p>
@@ -8866,7 +8866,7 @@
             <a:fld id="{32546992-DEFF-4765-9FB8-C2ACF446503A}" type="datetime1">
               <a:rPr lang="en-US" smtClean="0"/>
               <a:pPr/>
-              <a:t>1/19/2024</a:t>
+              <a:t>1/22/2024</a:t>
             </a:fld>
             <a:endParaRPr lang="en-US" dirty="0"/>
           </a:p>
@@ -9616,7 +9616,7 @@
           <a:p>
             <a:fld id="{F6852FE2-76E6-44F3-971E-3B1E6B948E41}" type="datetime1">
               <a:rPr lang="en-US" smtClean="0"/>
-              <a:t>1/19/2024</a:t>
+              <a:t>1/22/2024</a:t>
             </a:fld>
             <a:endParaRPr lang="en-US" dirty="0"/>
           </a:p>
@@ -10360,7 +10360,7 @@
           <a:p>
             <a:fld id="{C7049658-B31A-4F62-9996-2FC707C5F2CD}" type="datetime1">
               <a:rPr lang="en-US" smtClean="0"/>
-              <a:t>1/19/2024</a:t>
+              <a:t>1/22/2024</a:t>
             </a:fld>
             <a:endParaRPr lang="en-US" dirty="0"/>
           </a:p>
@@ -10884,7 +10884,7 @@
                 </a:solidFill>
               </a:rPr>
               <a:pPr/>
-              <a:t>1/19/2024</a:t>
+              <a:t>1/22/2024</a:t>
             </a:fld>
             <a:endParaRPr lang="en-US" dirty="0"/>
           </a:p>
@@ -11892,7 +11892,7 @@
           <a:p>
             <a:fld id="{DDA8E063-DAA4-4787-8AA1-15BBB2D38CED}" type="datetime1">
               <a:rPr lang="en-US" smtClean="0"/>
-              <a:t>1/19/2024</a:t>
+              <a:t>1/22/2024</a:t>
             </a:fld>
             <a:endParaRPr lang="en-US" dirty="0"/>
           </a:p>
@@ -12328,7 +12328,7 @@
           <a:p>
             <a:fld id="{DDA8E063-DAA4-4787-8AA1-15BBB2D38CED}" type="datetime1">
               <a:rPr lang="en-US" smtClean="0"/>
-              <a:t>1/19/2024</a:t>
+              <a:t>1/22/2024</a:t>
             </a:fld>
             <a:endParaRPr lang="en-US" dirty="0"/>
           </a:p>
@@ -12797,7 +12797,7 @@
             <a:fld id="{C150E1EA-44FA-4D89-855F-C0B34F87238D}" type="datetime1">
               <a:rPr lang="en-US" smtClean="0"/>
               <a:pPr/>
-              <a:t>1/19/2024</a:t>
+              <a:t>1/22/2024</a:t>
             </a:fld>
             <a:endParaRPr lang="en-US" dirty="0"/>
           </a:p>
@@ -13260,7 +13260,7 @@
           <a:p>
             <a:fld id="{CC5D4559-6AE3-461A-A02E-915BACCC2124}" type="datetime1">
               <a:rPr lang="en-US" smtClean="0"/>
-              <a:t>1/19/2024</a:t>
+              <a:t>1/22/2024</a:t>
             </a:fld>
             <a:endParaRPr lang="en-US" dirty="0"/>
           </a:p>
@@ -14325,7 +14325,7 @@
           <a:p>
             <a:fld id="{CC5D4559-6AE3-461A-A02E-915BACCC2124}" type="datetime1">
               <a:rPr lang="en-US" smtClean="0"/>
-              <a:t>1/19/2024</a:t>
+              <a:t>1/22/2024</a:t>
             </a:fld>
             <a:endParaRPr lang="en-US" dirty="0"/>
           </a:p>
@@ -14589,7 +14589,7 @@
           <a:p>
             <a:fld id="{AAE613A3-7427-4A9A-9B2A-23B005FA5F48}" type="datetime1">
               <a:rPr lang="en-US" smtClean="0"/>
-              <a:t>1/19/2024</a:t>
+              <a:t>1/22/2024</a:t>
             </a:fld>
             <a:endParaRPr lang="en-US" dirty="0"/>
           </a:p>
@@ -15594,7 +15594,7 @@
           <a:p>
             <a:fld id="{DDA8E063-DAA4-4787-8AA1-15BBB2D38CED}" type="datetime1">
               <a:rPr lang="en-US" smtClean="0"/>
-              <a:t>1/19/2024</a:t>
+              <a:t>1/22/2024</a:t>
             </a:fld>
             <a:endParaRPr lang="en-US" dirty="0"/>
           </a:p>
@@ -19873,8 +19873,13 @@
           <a:p>
             <a:r>
               <a:rPr lang="en-US" dirty="0"/>
-              <a:t>This project will examine the data from 2013 through 2022 to see if there are any trends relating to the consumer products involved in injuries resulting in emergency room visits.</a:t>
+              <a:t>This project will examine the data from 2013 through 2022 to explore trends in product injuries resulting in </a:t>
             </a:r>
+            <a:r>
+              <a:rPr lang="en-US"/>
+              <a:t>emergency room visits.</a:t>
+            </a:r>
+            <a:endParaRPr lang="en-US" dirty="0"/>
           </a:p>
         </p:txBody>
       </p:sp>
@@ -20056,7 +20061,7 @@
           <a:p>
             <a:fld id="{DDA8E063-DAA4-4787-8AA1-15BBB2D38CED}" type="datetime1">
               <a:rPr lang="en-US" smtClean="0"/>
-              <a:t>1/19/2024</a:t>
+              <a:t>1/22/2024</a:t>
             </a:fld>
             <a:endParaRPr lang="en-US" dirty="0"/>
           </a:p>
@@ -20331,7 +20336,7 @@
           <a:p>
             <a:fld id="{DDA8E063-DAA4-4787-8AA1-15BBB2D38CED}" type="datetime1">
               <a:rPr lang="en-US" smtClean="0"/>
-              <a:t>1/19/2024</a:t>
+              <a:t>1/22/2024</a:t>
             </a:fld>
             <a:endParaRPr lang="en-US" dirty="0"/>
           </a:p>
@@ -20690,7 +20695,7 @@
           <a:p>
             <a:fld id="{DDA8E063-DAA4-4787-8AA1-15BBB2D38CED}" type="datetime1">
               <a:rPr lang="en-US" smtClean="0"/>
-              <a:t>1/19/2024</a:t>
+              <a:t>1/22/2024</a:t>
             </a:fld>
             <a:endParaRPr lang="en-US" dirty="0"/>
           </a:p>
@@ -20873,7 +20878,7 @@
           <a:p>
             <a:fld id="{DDA8E063-DAA4-4787-8AA1-15BBB2D38CED}" type="datetime1">
               <a:rPr lang="en-US" smtClean="0"/>
-              <a:t>1/19/2024</a:t>
+              <a:t>1/22/2024</a:t>
             </a:fld>
             <a:endParaRPr lang="en-US" dirty="0"/>
           </a:p>
@@ -21056,7 +21061,7 @@
           <a:p>
             <a:fld id="{DDA8E063-DAA4-4787-8AA1-15BBB2D38CED}" type="datetime1">
               <a:rPr lang="en-US" smtClean="0"/>
-              <a:t>1/19/2024</a:t>
+              <a:t>1/22/2024</a:t>
             </a:fld>
             <a:endParaRPr lang="en-US" dirty="0"/>
           </a:p>
@@ -22262,6 +22267,15 @@
 </file>
 
 <file path=customXml/item2.xml><?xml version="1.0" encoding="utf-8"?>
+<?mso-contentType ?>
+<FormTemplates xmlns="http://schemas.microsoft.com/sharepoint/v3/contenttype/forms">
+  <Display>DocumentLibraryForm</Display>
+  <Edit>DocumentLibraryForm</Edit>
+  <New>DocumentLibraryForm</New>
+</FormTemplates>
+</file>
+
+<file path=customXml/item3.xml><?xml version="1.0" encoding="utf-8"?>
 <p:properties xmlns:p="http://schemas.microsoft.com/office/2006/metadata/properties" xmlns:xsi="http://www.w3.org/2001/XMLSchema-instance" xmlns:pc="http://schemas.microsoft.com/office/infopath/2007/PartnerControls">
   <documentManagement>
     <Status xmlns="71af3243-3dd4-4a8d-8c0d-dd76da1f02a5">Not started</Status>
@@ -22279,15 +22293,6 @@
     </ImageTagsTaxHTField>
   </documentManagement>
 </p:properties>
-</file>
-
-<file path=customXml/item3.xml><?xml version="1.0" encoding="utf-8"?>
-<?mso-contentType ?>
-<FormTemplates xmlns="http://schemas.microsoft.com/sharepoint/v3/contenttype/forms">
-  <Display>DocumentLibraryForm</Display>
-  <Edit>DocumentLibraryForm</Edit>
-  <New>DocumentLibraryForm</New>
-</FormTemplates>
 </file>
 
 <file path=customXml/itemProps1.xml><?xml version="1.0" encoding="utf-8"?>
@@ -22312,6 +22317,14 @@
 </file>
 
 <file path=customXml/itemProps2.xml><?xml version="1.0" encoding="utf-8"?>
+<ds:datastoreItem xmlns:ds="http://schemas.openxmlformats.org/officeDocument/2006/customXml" ds:itemID="{C093A0A0-A69C-47FE-9FE5-21F06181BF4F}">
+  <ds:schemaRefs>
+    <ds:schemaRef ds:uri="http://schemas.microsoft.com/sharepoint/v3/contenttype/forms"/>
+  </ds:schemaRefs>
+</ds:datastoreItem>
+</file>
+
+<file path=customXml/itemProps3.xml><?xml version="1.0" encoding="utf-8"?>
 <ds:datastoreItem xmlns:ds="http://schemas.openxmlformats.org/officeDocument/2006/customXml" ds:itemID="{D6B374A7-2E79-4FEF-822D-2492B9AD907B}">
   <ds:schemaRefs>
     <ds:schemaRef ds:uri="http://schemas.microsoft.com/office/2006/metadata/properties"/>
@@ -22323,14 +22336,6 @@
 </ds:datastoreItem>
 </file>
 
-<file path=customXml/itemProps3.xml><?xml version="1.0" encoding="utf-8"?>
-<ds:datastoreItem xmlns:ds="http://schemas.openxmlformats.org/officeDocument/2006/customXml" ds:itemID="{C093A0A0-A69C-47FE-9FE5-21F06181BF4F}">
-  <ds:schemaRefs>
-    <ds:schemaRef ds:uri="http://schemas.microsoft.com/sharepoint/v3/contenttype/forms"/>
-  </ds:schemaRefs>
-</ds:datastoreItem>
-</file>
-
 <file path=docMetadata/LabelInfo.xml><?xml version="1.0" encoding="utf-8"?>
 <clbl:labelList xmlns:clbl="http://schemas.microsoft.com/office/2020/mipLabelMetadata"/>
 </file>
--- a/docs/Product Injuries.pptx
+++ b/docs/Product Injuries.pptx
@@ -5,10 +5,10 @@
     <p:sldMasterId id="2147483660" r:id="rId4"/>
   </p:sldMasterIdLst>
   <p:notesMasterIdLst>
-    <p:notesMasterId r:id="rId24"/>
+    <p:notesMasterId r:id="rId25"/>
   </p:notesMasterIdLst>
   <p:handoutMasterIdLst>
-    <p:handoutMasterId r:id="rId25"/>
+    <p:handoutMasterId r:id="rId26"/>
   </p:handoutMasterIdLst>
   <p:sldIdLst>
     <p:sldId id="256" r:id="rId5"/>
@@ -21,15 +21,16 @@
     <p:sldId id="309" r:id="rId12"/>
     <p:sldId id="307" r:id="rId13"/>
     <p:sldId id="310" r:id="rId14"/>
-    <p:sldId id="308" r:id="rId15"/>
-    <p:sldId id="300" r:id="rId16"/>
-    <p:sldId id="284" r:id="rId17"/>
-    <p:sldId id="301" r:id="rId18"/>
-    <p:sldId id="302" r:id="rId19"/>
-    <p:sldId id="303" r:id="rId20"/>
-    <p:sldId id="304" r:id="rId21"/>
-    <p:sldId id="288" r:id="rId22"/>
-    <p:sldId id="295" r:id="rId23"/>
+    <p:sldId id="312" r:id="rId15"/>
+    <p:sldId id="308" r:id="rId16"/>
+    <p:sldId id="300" r:id="rId17"/>
+    <p:sldId id="284" r:id="rId18"/>
+    <p:sldId id="301" r:id="rId19"/>
+    <p:sldId id="302" r:id="rId20"/>
+    <p:sldId id="303" r:id="rId21"/>
+    <p:sldId id="304" r:id="rId22"/>
+    <p:sldId id="288" r:id="rId23"/>
+    <p:sldId id="295" r:id="rId24"/>
   </p:sldIdLst>
   <p:sldSz cx="12192000" cy="6858000"/>
   <p:notesSz cx="6858000" cy="9144000"/>
@@ -145,12 +146,20 @@
 </p188:authorLst>
 </file>
 
+<file path=ppt/revisionInfo.xml><?xml version="1.0" encoding="utf-8"?>
+<p1510:revInfo xmlns:a="http://schemas.openxmlformats.org/drawingml/2006/main" xmlns:r="http://schemas.openxmlformats.org/officeDocument/2006/relationships" xmlns:p1510="http://schemas.microsoft.com/office/powerpoint/2015/10/main">
+  <p1510:revLst>
+    <p1510:client id="{2C0686C3-ACD8-4393-BE92-A40A75016DFC}" v="3" dt="2024-01-28T16:23:29.530"/>
+  </p1510:revLst>
+</p1510:revInfo>
+</file>
+
 <file path=ppt/changesInfos/changesInfo1.xml><?xml version="1.0" encoding="utf-8"?>
 <pc:chgInfo xmlns:a="http://schemas.openxmlformats.org/drawingml/2006/main" xmlns:r="http://schemas.openxmlformats.org/officeDocument/2006/relationships" xmlns:ac="http://schemas.microsoft.com/office/drawing/2013/main/command" xmlns:pc="http://schemas.microsoft.com/office/powerpoint/2013/main/command">
   <pc:docChgLst>
     <pc:chgData name="Tami McManus" userId="4a41d8b392a254fb" providerId="LiveId" clId="{2C0686C3-ACD8-4393-BE92-A40A75016DFC}"/>
     <pc:docChg chg="custSel addSld delSld modSld sldOrd">
-      <pc:chgData name="Tami McManus" userId="4a41d8b392a254fb" providerId="LiveId" clId="{2C0686C3-ACD8-4393-BE92-A40A75016DFC}" dt="2024-01-22T20:26:48.149" v="2849" actId="20577"/>
+      <pc:chgData name="Tami McManus" userId="4a41d8b392a254fb" providerId="LiveId" clId="{2C0686C3-ACD8-4393-BE92-A40A75016DFC}" dt="2024-01-28T18:33:44.240" v="3298" actId="207"/>
       <pc:docMkLst>
         <pc:docMk/>
       </pc:docMkLst>
@@ -170,13 +179,13 @@
         </pc:spChg>
       </pc:sldChg>
       <pc:sldChg chg="modSp mod">
-        <pc:chgData name="Tami McManus" userId="4a41d8b392a254fb" providerId="LiveId" clId="{2C0686C3-ACD8-4393-BE92-A40A75016DFC}" dt="2024-01-22T20:26:48.149" v="2849" actId="20577"/>
+        <pc:chgData name="Tami McManus" userId="4a41d8b392a254fb" providerId="LiveId" clId="{2C0686C3-ACD8-4393-BE92-A40A75016DFC}" dt="2024-01-28T14:13:21.729" v="3054" actId="20577"/>
         <pc:sldMkLst>
           <pc:docMk/>
           <pc:sldMk cId="1109332271" sldId="299"/>
         </pc:sldMkLst>
         <pc:spChg chg="mod">
-          <ac:chgData name="Tami McManus" userId="4a41d8b392a254fb" providerId="LiveId" clId="{2C0686C3-ACD8-4393-BE92-A40A75016DFC}" dt="2024-01-22T20:26:48.149" v="2849" actId="20577"/>
+          <ac:chgData name="Tami McManus" userId="4a41d8b392a254fb" providerId="LiveId" clId="{2C0686C3-ACD8-4393-BE92-A40A75016DFC}" dt="2024-01-28T14:13:21.729" v="3054" actId="20577"/>
           <ac:spMkLst>
             <pc:docMk/>
             <pc:sldMk cId="1109332271" sldId="299"/>
@@ -185,7 +194,7 @@
         </pc:spChg>
       </pc:sldChg>
       <pc:sldChg chg="modSp mod ord addCm delCm">
-        <pc:chgData name="Tami McManus" userId="4a41d8b392a254fb" providerId="LiveId" clId="{2C0686C3-ACD8-4393-BE92-A40A75016DFC}" dt="2024-01-19T23:53:06.293" v="2780" actId="20577"/>
+        <pc:chgData name="Tami McManus" userId="4a41d8b392a254fb" providerId="LiveId" clId="{2C0686C3-ACD8-4393-BE92-A40A75016DFC}" dt="2024-01-28T14:12:07.689" v="3026" actId="20577"/>
         <pc:sldMkLst>
           <pc:docMk/>
           <pc:sldMk cId="2233093895" sldId="305"/>
@@ -199,7 +208,7 @@
           </ac:spMkLst>
         </pc:spChg>
         <pc:spChg chg="mod">
-          <ac:chgData name="Tami McManus" userId="4a41d8b392a254fb" providerId="LiveId" clId="{2C0686C3-ACD8-4393-BE92-A40A75016DFC}" dt="2024-01-19T23:53:06.293" v="2780" actId="20577"/>
+          <ac:chgData name="Tami McManus" userId="4a41d8b392a254fb" providerId="LiveId" clId="{2C0686C3-ACD8-4393-BE92-A40A75016DFC}" dt="2024-01-28T14:12:07.689" v="3026" actId="20577"/>
           <ac:spMkLst>
             <pc:docMk/>
             <pc:sldMk cId="2233093895" sldId="305"/>
@@ -253,6 +262,29 @@
           <ac:spMkLst>
             <pc:docMk/>
             <pc:sldMk cId="3669776487" sldId="311"/>
+            <ac:spMk id="7" creationId="{5FA1D81E-F29A-6948-AFB0-802230DA45E7}"/>
+          </ac:spMkLst>
+        </pc:spChg>
+      </pc:sldChg>
+      <pc:sldChg chg="modSp add mod">
+        <pc:chgData name="Tami McManus" userId="4a41d8b392a254fb" providerId="LiveId" clId="{2C0686C3-ACD8-4393-BE92-A40A75016DFC}" dt="2024-01-28T18:33:44.240" v="3298" actId="207"/>
+        <pc:sldMkLst>
+          <pc:docMk/>
+          <pc:sldMk cId="2207045045" sldId="312"/>
+        </pc:sldMkLst>
+        <pc:spChg chg="mod">
+          <ac:chgData name="Tami McManus" userId="4a41d8b392a254fb" providerId="LiveId" clId="{2C0686C3-ACD8-4393-BE92-A40A75016DFC}" dt="2024-01-28T16:20:45.607" v="3079" actId="20577"/>
+          <ac:spMkLst>
+            <pc:docMk/>
+            <pc:sldMk cId="2207045045" sldId="312"/>
+            <ac:spMk id="2" creationId="{DA6E90EA-37FE-7515-C1D3-FA95B1DDD7DD}"/>
+          </ac:spMkLst>
+        </pc:spChg>
+        <pc:spChg chg="mod">
+          <ac:chgData name="Tami McManus" userId="4a41d8b392a254fb" providerId="LiveId" clId="{2C0686C3-ACD8-4393-BE92-A40A75016DFC}" dt="2024-01-28T18:33:44.240" v="3298" actId="207"/>
+          <ac:spMkLst>
+            <pc:docMk/>
+            <pc:sldMk cId="2207045045" sldId="312"/>
             <ac:spMk id="7" creationId="{5FA1D81E-F29A-6948-AFB0-802230DA45E7}"/>
           </ac:spMkLst>
         </pc:spChg>
@@ -4792,7 +4824,7 @@
           <a:p>
             <a:fld id="{367A1AC4-3AE8-4F87-AAED-904EC6054702}" type="datetimeFigureOut">
               <a:rPr lang="en-US" smtClean="0"/>
-              <a:t>1/22/2024</a:t>
+              <a:t>1/28/2024</a:t>
             </a:fld>
             <a:endParaRPr lang="en-US" dirty="0"/>
           </a:p>
@@ -4969,7 +5001,7 @@
           <a:p>
             <a:fld id="{C5556653-6123-4FE4-861F-5F9583BF59B0}" type="datetimeFigureOut">
               <a:rPr lang="en-US" smtClean="0"/>
-              <a:t>1/22/2024</a:t>
+              <a:t>1/28/2024</a:t>
             </a:fld>
             <a:endParaRPr lang="en-US" dirty="0"/>
           </a:p>
@@ -5621,7 +5653,7 @@
           <a:p>
             <a:fld id="{F07F282E-55F5-4803-B60F-09BA4600E538}" type="slidenum">
               <a:rPr lang="en-US" smtClean="0"/>
-              <a:t>11</a:t>
+              <a:t>12</a:t>
             </a:fld>
             <a:endParaRPr lang="en-US" dirty="0"/>
           </a:p>
@@ -5722,7 +5754,7 @@
           <a:p>
             <a:fld id="{F07F282E-55F5-4803-B60F-09BA4600E538}" type="slidenum">
               <a:rPr lang="en-US" smtClean="0"/>
-              <a:t>13</a:t>
+              <a:t>14</a:t>
             </a:fld>
             <a:endParaRPr lang="en-US" dirty="0"/>
           </a:p>
@@ -5823,7 +5855,7 @@
           <a:p>
             <a:fld id="{F07F282E-55F5-4803-B60F-09BA4600E538}" type="slidenum">
               <a:rPr lang="en-US" smtClean="0"/>
-              <a:t>14</a:t>
+              <a:t>15</a:t>
             </a:fld>
             <a:endParaRPr lang="en-US" dirty="0"/>
           </a:p>
@@ -5924,7 +5956,7 @@
           <a:p>
             <a:fld id="{F07F282E-55F5-4803-B60F-09BA4600E538}" type="slidenum">
               <a:rPr lang="en-US" smtClean="0"/>
-              <a:t>16</a:t>
+              <a:t>17</a:t>
             </a:fld>
             <a:endParaRPr lang="en-US" dirty="0"/>
           </a:p>
@@ -6025,7 +6057,7 @@
           <a:p>
             <a:fld id="{F07F282E-55F5-4803-B60F-09BA4600E538}" type="slidenum">
               <a:rPr lang="en-US" smtClean="0"/>
-              <a:t>18</a:t>
+              <a:t>19</a:t>
             </a:fld>
             <a:endParaRPr lang="en-US" dirty="0"/>
           </a:p>
@@ -6126,7 +6158,7 @@
           <a:p>
             <a:fld id="{F07F282E-55F5-4803-B60F-09BA4600E538}" type="slidenum">
               <a:rPr lang="en-US" smtClean="0"/>
-              <a:t>19</a:t>
+              <a:t>20</a:t>
             </a:fld>
             <a:endParaRPr lang="en-US" dirty="0"/>
           </a:p>
@@ -6589,7 +6621,7 @@
                   </a:outerShdw>
                 </a:effectLst>
               </a:rPr>
-              <a:t>1/22/2024</a:t>
+              <a:t>1/28/2024</a:t>
             </a:fld>
             <a:endParaRPr lang="en-US" dirty="0">
               <a:solidFill>
@@ -7387,7 +7419,7 @@
             <a:fld id="{DD9E41B7-A2DB-4285-A7A5-A1084718EB55}" type="datetime1">
               <a:rPr lang="en-US" smtClean="0"/>
               <a:pPr/>
-              <a:t>1/22/2024</a:t>
+              <a:t>1/28/2024</a:t>
             </a:fld>
             <a:endParaRPr lang="en-US" dirty="0"/>
           </a:p>
@@ -8247,7 +8279,7 @@
             <a:fld id="{DD9E41B7-A2DB-4285-A7A5-A1084718EB55}" type="datetime1">
               <a:rPr lang="en-US" smtClean="0"/>
               <a:pPr/>
-              <a:t>1/22/2024</a:t>
+              <a:t>1/28/2024</a:t>
             </a:fld>
             <a:endParaRPr lang="en-US" dirty="0"/>
           </a:p>
@@ -8866,7 +8898,7 @@
             <a:fld id="{32546992-DEFF-4765-9FB8-C2ACF446503A}" type="datetime1">
               <a:rPr lang="en-US" smtClean="0"/>
               <a:pPr/>
-              <a:t>1/22/2024</a:t>
+              <a:t>1/28/2024</a:t>
             </a:fld>
             <a:endParaRPr lang="en-US" dirty="0"/>
           </a:p>
@@ -9616,7 +9648,7 @@
           <a:p>
             <a:fld id="{F6852FE2-76E6-44F3-971E-3B1E6B948E41}" type="datetime1">
               <a:rPr lang="en-US" smtClean="0"/>
-              <a:t>1/22/2024</a:t>
+              <a:t>1/28/2024</a:t>
             </a:fld>
             <a:endParaRPr lang="en-US" dirty="0"/>
           </a:p>
@@ -10360,7 +10392,7 @@
           <a:p>
             <a:fld id="{C7049658-B31A-4F62-9996-2FC707C5F2CD}" type="datetime1">
               <a:rPr lang="en-US" smtClean="0"/>
-              <a:t>1/22/2024</a:t>
+              <a:t>1/28/2024</a:t>
             </a:fld>
             <a:endParaRPr lang="en-US" dirty="0"/>
           </a:p>
@@ -10884,7 +10916,7 @@
                 </a:solidFill>
               </a:rPr>
               <a:pPr/>
-              <a:t>1/22/2024</a:t>
+              <a:t>1/28/2024</a:t>
             </a:fld>
             <a:endParaRPr lang="en-US" dirty="0"/>
           </a:p>
@@ -11892,7 +11924,7 @@
           <a:p>
             <a:fld id="{DDA8E063-DAA4-4787-8AA1-15BBB2D38CED}" type="datetime1">
               <a:rPr lang="en-US" smtClean="0"/>
-              <a:t>1/22/2024</a:t>
+              <a:t>1/28/2024</a:t>
             </a:fld>
             <a:endParaRPr lang="en-US" dirty="0"/>
           </a:p>
@@ -12328,7 +12360,7 @@
           <a:p>
             <a:fld id="{DDA8E063-DAA4-4787-8AA1-15BBB2D38CED}" type="datetime1">
               <a:rPr lang="en-US" smtClean="0"/>
-              <a:t>1/22/2024</a:t>
+              <a:t>1/28/2024</a:t>
             </a:fld>
             <a:endParaRPr lang="en-US" dirty="0"/>
           </a:p>
@@ -12797,7 +12829,7 @@
             <a:fld id="{C150E1EA-44FA-4D89-855F-C0B34F87238D}" type="datetime1">
               <a:rPr lang="en-US" smtClean="0"/>
               <a:pPr/>
-              <a:t>1/22/2024</a:t>
+              <a:t>1/28/2024</a:t>
             </a:fld>
             <a:endParaRPr lang="en-US" dirty="0"/>
           </a:p>
@@ -13260,7 +13292,7 @@
           <a:p>
             <a:fld id="{CC5D4559-6AE3-461A-A02E-915BACCC2124}" type="datetime1">
               <a:rPr lang="en-US" smtClean="0"/>
-              <a:t>1/22/2024</a:t>
+              <a:t>1/28/2024</a:t>
             </a:fld>
             <a:endParaRPr lang="en-US" dirty="0"/>
           </a:p>
@@ -14325,7 +14357,7 @@
           <a:p>
             <a:fld id="{CC5D4559-6AE3-461A-A02E-915BACCC2124}" type="datetime1">
               <a:rPr lang="en-US" smtClean="0"/>
-              <a:t>1/22/2024</a:t>
+              <a:t>1/28/2024</a:t>
             </a:fld>
             <a:endParaRPr lang="en-US" dirty="0"/>
           </a:p>
@@ -14589,7 +14621,7 @@
           <a:p>
             <a:fld id="{AAE613A3-7427-4A9A-9B2A-23B005FA5F48}" type="datetime1">
               <a:rPr lang="en-US" smtClean="0"/>
-              <a:t>1/22/2024</a:t>
+              <a:t>1/28/2024</a:t>
             </a:fld>
             <a:endParaRPr lang="en-US" dirty="0"/>
           </a:p>
@@ -15594,7 +15626,7 @@
           <a:p>
             <a:fld id="{DDA8E063-DAA4-4787-8AA1-15BBB2D38CED}" type="datetime1">
               <a:rPr lang="en-US" smtClean="0"/>
-              <a:t>1/22/2024</a:t>
+              <a:t>1/28/2024</a:t>
             </a:fld>
             <a:endParaRPr lang="en-US" dirty="0"/>
           </a:p>
@@ -15729,10 +15761,10 @@
       </p:grpSpPr>
       <p:sp>
         <p:nvSpPr>
-          <p:cNvPr id="14" name="Title 13">
-            <a:extLst>
-              <a:ext uri="{FF2B5EF4-FFF2-40B4-BE49-F238E27FC236}">
-                <a16:creationId xmlns:a16="http://schemas.microsoft.com/office/drawing/2014/main" id="{331CEB84-49DC-40A9-B2F0-D573658AE999}"/>
+          <p:cNvPr id="2" name="Title 1">
+            <a:extLst>
+              <a:ext uri="{FF2B5EF4-FFF2-40B4-BE49-F238E27FC236}">
+                <a16:creationId xmlns:a16="http://schemas.microsoft.com/office/drawing/2014/main" id="{DA6E90EA-37FE-7515-C1D3-FA95B1DDD7DD}"/>
               </a:ext>
             </a:extLst>
           </p:cNvPr>
@@ -15740,32 +15772,27 @@
             <a:spLocks noGrp="1"/>
           </p:cNvSpPr>
           <p:nvPr>
-            <p:ph type="ctrTitle"/>
-          </p:nvPr>
-        </p:nvSpPr>
-        <p:spPr>
-          <a:xfrm>
-            <a:off x="7973503" y="1709530"/>
-            <a:ext cx="3754671" cy="2528515"/>
-          </a:xfrm>
-        </p:spPr>
+            <p:ph type="title"/>
+          </p:nvPr>
+        </p:nvSpPr>
+        <p:spPr/>
         <p:txBody>
           <a:bodyPr/>
           <a:lstStyle/>
           <a:p>
             <a:r>
               <a:rPr lang="en-US" dirty="0"/>
-              <a:t>Insights</a:t>
+              <a:t>References</a:t>
             </a:r>
           </a:p>
         </p:txBody>
       </p:sp>
       <p:sp>
         <p:nvSpPr>
-          <p:cNvPr id="15" name="Subtitle 14">
-            <a:extLst>
-              <a:ext uri="{FF2B5EF4-FFF2-40B4-BE49-F238E27FC236}">
-                <a16:creationId xmlns:a16="http://schemas.microsoft.com/office/drawing/2014/main" id="{B7886DF7-FA3D-4AD1-AEC1-578EA3AC8C7D}"/>
+          <p:cNvPr id="3" name="Footer Placeholder 2">
+            <a:extLst>
+              <a:ext uri="{FF2B5EF4-FFF2-40B4-BE49-F238E27FC236}">
+                <a16:creationId xmlns:a16="http://schemas.microsoft.com/office/drawing/2014/main" id="{BA96EE9B-4E0B-84B1-E35F-A6C2AFE92E00}"/>
               </a:ext>
             </a:extLst>
           </p:cNvPr>
@@ -15773,64 +15800,185 @@
             <a:spLocks noGrp="1"/>
           </p:cNvSpPr>
           <p:nvPr>
-            <p:ph type="subTitle" idx="1"/>
-          </p:nvPr>
-        </p:nvSpPr>
-        <p:spPr>
-          <a:xfrm>
-            <a:off x="7976914" y="4238046"/>
-            <a:ext cx="3806919" cy="1741404"/>
-          </a:xfrm>
-        </p:spPr>
+            <p:ph type="ftr" sz="quarter" idx="11"/>
+          </p:nvPr>
+        </p:nvSpPr>
+        <p:spPr/>
         <p:txBody>
           <a:bodyPr/>
           <a:lstStyle/>
           <a:p>
             <a:r>
+              <a:rPr lang="en-US"/>
+              <a:t>Presentation Title</a:t>
+            </a:r>
+            <a:endParaRPr lang="en-US" dirty="0"/>
+          </a:p>
+        </p:txBody>
+      </p:sp>
+      <p:sp>
+        <p:nvSpPr>
+          <p:cNvPr id="4" name="Date Placeholder 3">
+            <a:extLst>
+              <a:ext uri="{FF2B5EF4-FFF2-40B4-BE49-F238E27FC236}">
+                <a16:creationId xmlns:a16="http://schemas.microsoft.com/office/drawing/2014/main" id="{FBD10017-9410-8068-EDFF-53E884200F69}"/>
+              </a:ext>
+            </a:extLst>
+          </p:cNvPr>
+          <p:cNvSpPr>
+            <a:spLocks noGrp="1"/>
+          </p:cNvSpPr>
+          <p:nvPr>
+            <p:ph type="dt" sz="half" idx="10"/>
+          </p:nvPr>
+        </p:nvSpPr>
+        <p:spPr/>
+        <p:txBody>
+          <a:bodyPr/>
+          <a:lstStyle/>
+          <a:p>
+            <a:fld id="{DDA8E063-DAA4-4787-8AA1-15BBB2D38CED}" type="datetime1">
+              <a:rPr lang="en-US" smtClean="0"/>
+              <a:t>1/28/2024</a:t>
+            </a:fld>
+            <a:endParaRPr lang="en-US" dirty="0"/>
+          </a:p>
+        </p:txBody>
+      </p:sp>
+      <p:sp>
+        <p:nvSpPr>
+          <p:cNvPr id="5" name="Slide Number Placeholder 4">
+            <a:extLst>
+              <a:ext uri="{FF2B5EF4-FFF2-40B4-BE49-F238E27FC236}">
+                <a16:creationId xmlns:a16="http://schemas.microsoft.com/office/drawing/2014/main" id="{856A879C-0E36-2407-6E93-EF994E84DC58}"/>
+              </a:ext>
+            </a:extLst>
+          </p:cNvPr>
+          <p:cNvSpPr>
+            <a:spLocks noGrp="1"/>
+          </p:cNvSpPr>
+          <p:nvPr>
+            <p:ph type="sldNum" sz="quarter" idx="12"/>
+          </p:nvPr>
+        </p:nvSpPr>
+        <p:spPr/>
+        <p:txBody>
+          <a:bodyPr/>
+          <a:lstStyle/>
+          <a:p>
+            <a:fld id="{FAEF9944-A4F6-4C59-AEBD-678D6480B8EA}" type="slidenum">
+              <a:rPr lang="en-US" smtClean="0"/>
+              <a:t>11</a:t>
+            </a:fld>
+            <a:endParaRPr lang="en-US" dirty="0"/>
+          </a:p>
+        </p:txBody>
+      </p:sp>
+      <p:sp>
+        <p:nvSpPr>
+          <p:cNvPr id="7" name="TextBox 6">
+            <a:extLst>
+              <a:ext uri="{FF2B5EF4-FFF2-40B4-BE49-F238E27FC236}">
+                <a16:creationId xmlns:a16="http://schemas.microsoft.com/office/drawing/2014/main" id="{5FA1D81E-F29A-6948-AFB0-802230DA45E7}"/>
+              </a:ext>
+            </a:extLst>
+          </p:cNvPr>
+          <p:cNvSpPr txBox="1"/>
+          <p:nvPr/>
+        </p:nvSpPr>
+        <p:spPr>
+          <a:xfrm>
+            <a:off x="1535370" y="2966936"/>
+            <a:ext cx="10013709" cy="2031325"/>
+          </a:xfrm>
+          <a:prstGeom prst="rect">
+            <a:avLst/>
+          </a:prstGeom>
+          <a:noFill/>
+        </p:spPr>
+        <p:txBody>
+          <a:bodyPr wrap="square" rtlCol="0">
+            <a:spAutoFit/>
+          </a:bodyPr>
+          <a:lstStyle/>
+          <a:p>
+            <a:r>
               <a:rPr lang="en-US" dirty="0"/>
-              <a:t>Subtitle</a:t>
+              <a:t>from NEISS:</a:t>
             </a:r>
           </a:p>
-        </p:txBody>
-      </p:sp>
-      <p:pic>
-        <p:nvPicPr>
-          <p:cNvPr id="5" name="Picture Placeholder 4" descr="People in the middle of a circular room ">
-            <a:extLst>
-              <a:ext uri="{FF2B5EF4-FFF2-40B4-BE49-F238E27FC236}">
-                <a16:creationId xmlns:a16="http://schemas.microsoft.com/office/drawing/2014/main" id="{0CEB905B-7FDD-4B1A-96BF-B5A081A25FC8}"/>
-              </a:ext>
-            </a:extLst>
-          </p:cNvPr>
-          <p:cNvPicPr>
-            <a:picLocks noGrp="1" noChangeAspect="1"/>
-          </p:cNvPicPr>
-          <p:nvPr>
-            <p:ph type="pic" sz="quarter" idx="13"/>
-          </p:nvPr>
-        </p:nvPicPr>
-        <p:blipFill rotWithShape="1">
-          <a:blip r:embed="rId3" cstate="screen">
-            <a:extLst>
-              <a:ext uri="{28A0092B-C50C-407E-A947-70E740481C1C}">
-                <a14:useLocalDpi xmlns:a14="http://schemas.microsoft.com/office/drawing/2010/main" val="0"/>
-              </a:ext>
-            </a:extLst>
-          </a:blip>
-          <a:srcRect/>
-          <a:stretch/>
-        </p:blipFill>
-        <p:spPr>
-          <a:xfrm>
-            <a:off x="1" y="1095509"/>
-            <a:ext cx="7519932" cy="5016892"/>
-          </a:xfrm>
-        </p:spPr>
-      </p:pic>
+          <a:p>
+            <a:pPr marL="285750" indent="-285750">
+              <a:buFont typeface="Arial" panose="020B0604020202020204" pitchFamily="34" charset="0"/>
+              <a:buChar char="•"/>
+            </a:pPr>
+            <a:r>
+              <a:rPr lang="en-US" dirty="0"/>
+              <a:t>Data Dictionary (from NEISS)</a:t>
+            </a:r>
+          </a:p>
+          <a:p>
+            <a:pPr marL="285750" indent="-285750">
+              <a:buFont typeface="Arial" panose="020B0604020202020204" pitchFamily="34" charset="0"/>
+              <a:buChar char="•"/>
+            </a:pPr>
+            <a:r>
+              <a:rPr lang="en-US" dirty="0"/>
+              <a:t>Coding Manual</a:t>
+            </a:r>
+          </a:p>
+          <a:p>
+            <a:pPr marL="285750" indent="-285750">
+              <a:buFont typeface="Arial" panose="020B0604020202020204" pitchFamily="34" charset="0"/>
+              <a:buChar char="•"/>
+            </a:pPr>
+            <a:r>
+              <a:rPr lang="en-US" dirty="0"/>
+              <a:t>The NEISS Sample (design and implementation) from 1997 to Present:</a:t>
+            </a:r>
+          </a:p>
+          <a:p>
+            <a:pPr marL="339725" lvl="1"/>
+            <a:r>
+              <a:rPr lang="en-US" dirty="0">
+                <a:solidFill>
+                  <a:srgbClr val="0070C0"/>
+                </a:solidFill>
+                <a:hlinkClick r:id="rId2">
+                  <a:extLst>
+                    <a:ext uri="{A12FA001-AC4F-418D-AE19-62706E023703}">
+                      <ahyp:hlinkClr xmlns:ahyp="http://schemas.microsoft.com/office/drawing/2018/hyperlinkcolor" val="tx"/>
+                    </a:ext>
+                  </a:extLst>
+                </a:hlinkClick>
+              </a:rPr>
+              <a:t>https://www.cpsc.gov/s3fs-public/pdfs/blk_media_2001d011-6b6.pdf</a:t>
+            </a:r>
+            <a:endParaRPr lang="en-US" dirty="0">
+              <a:solidFill>
+                <a:srgbClr val="0070C0"/>
+              </a:solidFill>
+            </a:endParaRPr>
+          </a:p>
+          <a:p>
+            <a:endParaRPr lang="en-US" dirty="0"/>
+          </a:p>
+          <a:p>
+            <a:r>
+              <a:rPr lang="en-US" dirty="0">
+                <a:highlight>
+                  <a:srgbClr val="FFFF00"/>
+                </a:highlight>
+              </a:rPr>
+              <a:t>Add Links</a:t>
+            </a:r>
+          </a:p>
+        </p:txBody>
+      </p:sp>
     </p:spTree>
     <p:extLst>
       <p:ext uri="{BB962C8B-B14F-4D97-AF65-F5344CB8AC3E}">
-        <p14:creationId xmlns:p14="http://schemas.microsoft.com/office/powerpoint/2010/main" val="1198449725"/>
+        <p14:creationId xmlns:p14="http://schemas.microsoft.com/office/powerpoint/2010/main" val="2207045045"/>
       </p:ext>
     </p:extLst>
   </p:cSld>
@@ -15859,6 +16007,136 @@
       </p:grpSpPr>
       <p:sp>
         <p:nvSpPr>
+          <p:cNvPr id="14" name="Title 13">
+            <a:extLst>
+              <a:ext uri="{FF2B5EF4-FFF2-40B4-BE49-F238E27FC236}">
+                <a16:creationId xmlns:a16="http://schemas.microsoft.com/office/drawing/2014/main" id="{331CEB84-49DC-40A9-B2F0-D573658AE999}"/>
+              </a:ext>
+            </a:extLst>
+          </p:cNvPr>
+          <p:cNvSpPr>
+            <a:spLocks noGrp="1"/>
+          </p:cNvSpPr>
+          <p:nvPr>
+            <p:ph type="ctrTitle"/>
+          </p:nvPr>
+        </p:nvSpPr>
+        <p:spPr>
+          <a:xfrm>
+            <a:off x="7973503" y="1709530"/>
+            <a:ext cx="3754671" cy="2528515"/>
+          </a:xfrm>
+        </p:spPr>
+        <p:txBody>
+          <a:bodyPr/>
+          <a:lstStyle/>
+          <a:p>
+            <a:r>
+              <a:rPr lang="en-US" dirty="0"/>
+              <a:t>Insights</a:t>
+            </a:r>
+          </a:p>
+        </p:txBody>
+      </p:sp>
+      <p:sp>
+        <p:nvSpPr>
+          <p:cNvPr id="15" name="Subtitle 14">
+            <a:extLst>
+              <a:ext uri="{FF2B5EF4-FFF2-40B4-BE49-F238E27FC236}">
+                <a16:creationId xmlns:a16="http://schemas.microsoft.com/office/drawing/2014/main" id="{B7886DF7-FA3D-4AD1-AEC1-578EA3AC8C7D}"/>
+              </a:ext>
+            </a:extLst>
+          </p:cNvPr>
+          <p:cNvSpPr>
+            <a:spLocks noGrp="1"/>
+          </p:cNvSpPr>
+          <p:nvPr>
+            <p:ph type="subTitle" idx="1"/>
+          </p:nvPr>
+        </p:nvSpPr>
+        <p:spPr>
+          <a:xfrm>
+            <a:off x="7976914" y="4238046"/>
+            <a:ext cx="3806919" cy="1741404"/>
+          </a:xfrm>
+        </p:spPr>
+        <p:txBody>
+          <a:bodyPr/>
+          <a:lstStyle/>
+          <a:p>
+            <a:r>
+              <a:rPr lang="en-US" dirty="0"/>
+              <a:t>Subtitle</a:t>
+            </a:r>
+          </a:p>
+        </p:txBody>
+      </p:sp>
+      <p:pic>
+        <p:nvPicPr>
+          <p:cNvPr id="5" name="Picture Placeholder 4" descr="People in the middle of a circular room ">
+            <a:extLst>
+              <a:ext uri="{FF2B5EF4-FFF2-40B4-BE49-F238E27FC236}">
+                <a16:creationId xmlns:a16="http://schemas.microsoft.com/office/drawing/2014/main" id="{0CEB905B-7FDD-4B1A-96BF-B5A081A25FC8}"/>
+              </a:ext>
+            </a:extLst>
+          </p:cNvPr>
+          <p:cNvPicPr>
+            <a:picLocks noGrp="1" noChangeAspect="1"/>
+          </p:cNvPicPr>
+          <p:nvPr>
+            <p:ph type="pic" sz="quarter" idx="13"/>
+          </p:nvPr>
+        </p:nvPicPr>
+        <p:blipFill rotWithShape="1">
+          <a:blip r:embed="rId3" cstate="screen">
+            <a:extLst>
+              <a:ext uri="{28A0092B-C50C-407E-A947-70E740481C1C}">
+                <a14:useLocalDpi xmlns:a14="http://schemas.microsoft.com/office/drawing/2010/main" val="0"/>
+              </a:ext>
+            </a:extLst>
+          </a:blip>
+          <a:srcRect/>
+          <a:stretch/>
+        </p:blipFill>
+        <p:spPr>
+          <a:xfrm>
+            <a:off x="1" y="1095509"/>
+            <a:ext cx="7519932" cy="5016892"/>
+          </a:xfrm>
+        </p:spPr>
+      </p:pic>
+    </p:spTree>
+    <p:extLst>
+      <p:ext uri="{BB962C8B-B14F-4D97-AF65-F5344CB8AC3E}">
+        <p14:creationId xmlns:p14="http://schemas.microsoft.com/office/powerpoint/2010/main" val="1198449725"/>
+      </p:ext>
+    </p:extLst>
+  </p:cSld>
+  <p:clrMapOvr>
+    <a:masterClrMapping/>
+  </p:clrMapOvr>
+</p:sld>
+</file>
+
+<file path=ppt/slides/slide13.xml><?xml version="1.0" encoding="utf-8"?>
+<p:sld xmlns:a="http://schemas.openxmlformats.org/drawingml/2006/main" xmlns:r="http://schemas.openxmlformats.org/officeDocument/2006/relationships" xmlns:p="http://schemas.openxmlformats.org/presentationml/2006/main">
+  <p:cSld>
+    <p:spTree>
+      <p:nvGrpSpPr>
+        <p:cNvPr id="1" name=""/>
+        <p:cNvGrpSpPr/>
+        <p:nvPr/>
+      </p:nvGrpSpPr>
+      <p:grpSpPr>
+        <a:xfrm>
+          <a:off x="0" y="0"/>
+          <a:ext cx="0" cy="0"/>
+          <a:chOff x="0" y="0"/>
+          <a:chExt cx="0" cy="0"/>
+        </a:xfrm>
+      </p:grpSpPr>
+      <p:sp>
+        <p:nvSpPr>
           <p:cNvPr id="6" name="Title 5">
             <a:extLst>
               <a:ext uri="{FF2B5EF4-FFF2-40B4-BE49-F238E27FC236}">
@@ -15952,7 +16230,7 @@
             <a:fld id="{FAEF9944-A4F6-4C59-AEBD-678D6480B8EA}" type="slidenum">
               <a:rPr lang="en-US" smtClean="0"/>
               <a:pPr/>
-              <a:t>12</a:t>
+              <a:t>13</a:t>
             </a:fld>
             <a:endParaRPr lang="en-US" dirty="0"/>
           </a:p>
@@ -17477,7 +17755,7 @@
 </p:sld>
 </file>
 
-<file path=ppt/slides/slide13.xml><?xml version="1.0" encoding="utf-8"?>
+<file path=ppt/slides/slide14.xml><?xml version="1.0" encoding="utf-8"?>
 <p:sld xmlns:a="http://schemas.openxmlformats.org/drawingml/2006/main" xmlns:r="http://schemas.openxmlformats.org/officeDocument/2006/relationships" xmlns:p="http://schemas.openxmlformats.org/presentationml/2006/main">
   <p:cSld>
     <p:spTree>
@@ -17660,7 +17938,7 @@
             <a:fld id="{FAEF9944-A4F6-4C59-AEBD-678D6480B8EA}" type="slidenum">
               <a:rPr lang="en-US" smtClean="0"/>
               <a:pPr/>
-              <a:t>13</a:t>
+              <a:t>14</a:t>
             </a:fld>
             <a:endParaRPr lang="en-US" dirty="0"/>
           </a:p>
@@ -17670,477 +17948,6 @@
     <p:extLst>
       <p:ext uri="{BB962C8B-B14F-4D97-AF65-F5344CB8AC3E}">
         <p14:creationId xmlns:p14="http://schemas.microsoft.com/office/powerpoint/2010/main" val="3185117035"/>
-      </p:ext>
-    </p:extLst>
-  </p:cSld>
-  <p:clrMapOvr>
-    <a:masterClrMapping/>
-  </p:clrMapOvr>
-</p:sld>
-</file>
-
-<file path=ppt/slides/slide14.xml><?xml version="1.0" encoding="utf-8"?>
-<p:sld xmlns:a="http://schemas.openxmlformats.org/drawingml/2006/main" xmlns:r="http://schemas.openxmlformats.org/officeDocument/2006/relationships" xmlns:p="http://schemas.openxmlformats.org/presentationml/2006/main">
-  <p:cSld>
-    <p:spTree>
-      <p:nvGrpSpPr>
-        <p:cNvPr id="1" name=""/>
-        <p:cNvGrpSpPr/>
-        <p:nvPr/>
-      </p:nvGrpSpPr>
-      <p:grpSpPr>
-        <a:xfrm>
-          <a:off x="0" y="0"/>
-          <a:ext cx="0" cy="0"/>
-          <a:chOff x="0" y="0"/>
-          <a:chExt cx="0" cy="0"/>
-        </a:xfrm>
-      </p:grpSpPr>
-      <p:sp>
-        <p:nvSpPr>
-          <p:cNvPr id="8" name="Title 7">
-            <a:extLst>
-              <a:ext uri="{FF2B5EF4-FFF2-40B4-BE49-F238E27FC236}">
-                <a16:creationId xmlns:a16="http://schemas.microsoft.com/office/drawing/2014/main" id="{A7F75F49-C034-480C-BF42-A457B92F91A0}"/>
-              </a:ext>
-            </a:extLst>
-          </p:cNvPr>
-          <p:cNvSpPr>
-            <a:spLocks noGrp="1"/>
-          </p:cNvSpPr>
-          <p:nvPr>
-            <p:ph type="title"/>
-          </p:nvPr>
-        </p:nvSpPr>
-        <p:spPr>
-          <a:xfrm>
-            <a:off x="1535372" y="4872251"/>
-            <a:ext cx="10013709" cy="1030360"/>
-          </a:xfrm>
-        </p:spPr>
-        <p:txBody>
-          <a:bodyPr/>
-          <a:lstStyle/>
-          <a:p>
-            <a:r>
-              <a:rPr lang="en-US" dirty="0"/>
-              <a:t>Team</a:t>
-            </a:r>
-          </a:p>
-        </p:txBody>
-      </p:sp>
-      <p:pic>
-        <p:nvPicPr>
-          <p:cNvPr id="49" name="Picture Placeholder 48" descr="headshot&#10;">
-            <a:extLst>
-              <a:ext uri="{FF2B5EF4-FFF2-40B4-BE49-F238E27FC236}">
-                <a16:creationId xmlns:a16="http://schemas.microsoft.com/office/drawing/2014/main" id="{652B03F3-8493-45AF-80D6-38C58AFD5320}"/>
-              </a:ext>
-            </a:extLst>
-          </p:cNvPr>
-          <p:cNvPicPr>
-            <a:picLocks noGrp="1" noChangeAspect="1"/>
-          </p:cNvPicPr>
-          <p:nvPr>
-            <p:ph type="pic" sz="quarter" idx="14"/>
-          </p:nvPr>
-        </p:nvPicPr>
-        <p:blipFill>
-          <a:blip r:embed="rId3"/>
-          <a:srcRect/>
-          <a:stretch>
-            <a:fillRect/>
-          </a:stretch>
-        </p:blipFill>
-        <p:spPr>
-          <a:prstGeom prst="rect">
-            <a:avLst/>
-          </a:prstGeom>
-        </p:spPr>
-      </p:pic>
-      <p:pic>
-        <p:nvPicPr>
-          <p:cNvPr id="50" name="Picture Placeholder 49" descr="headshot&#10;">
-            <a:extLst>
-              <a:ext uri="{FF2B5EF4-FFF2-40B4-BE49-F238E27FC236}">
-                <a16:creationId xmlns:a16="http://schemas.microsoft.com/office/drawing/2014/main" id="{B984741E-79AC-42F3-A3C9-CD97CDC66C6F}"/>
-              </a:ext>
-            </a:extLst>
-          </p:cNvPr>
-          <p:cNvPicPr>
-            <a:picLocks noGrp="1" noChangeAspect="1"/>
-          </p:cNvPicPr>
-          <p:nvPr>
-            <p:ph type="pic" sz="quarter" idx="15"/>
-          </p:nvPr>
-        </p:nvPicPr>
-        <p:blipFill>
-          <a:blip r:embed="rId4"/>
-          <a:srcRect/>
-          <a:stretch>
-            <a:fillRect/>
-          </a:stretch>
-        </p:blipFill>
-        <p:spPr>
-          <a:prstGeom prst="rect">
-            <a:avLst/>
-          </a:prstGeom>
-        </p:spPr>
-      </p:pic>
-      <p:pic>
-        <p:nvPicPr>
-          <p:cNvPr id="51" name="Picture Placeholder 50" descr="headshot&#10;">
-            <a:extLst>
-              <a:ext uri="{FF2B5EF4-FFF2-40B4-BE49-F238E27FC236}">
-                <a16:creationId xmlns:a16="http://schemas.microsoft.com/office/drawing/2014/main" id="{90B1A3FB-882D-4E36-96CA-9F37197EDC0F}"/>
-              </a:ext>
-            </a:extLst>
-          </p:cNvPr>
-          <p:cNvPicPr>
-            <a:picLocks noGrp="1" noChangeAspect="1"/>
-          </p:cNvPicPr>
-          <p:nvPr>
-            <p:ph type="pic" sz="quarter" idx="16"/>
-          </p:nvPr>
-        </p:nvPicPr>
-        <p:blipFill>
-          <a:blip r:embed="rId5"/>
-          <a:srcRect/>
-          <a:stretch>
-            <a:fillRect/>
-          </a:stretch>
-        </p:blipFill>
-        <p:spPr>
-          <a:prstGeom prst="rect">
-            <a:avLst/>
-          </a:prstGeom>
-        </p:spPr>
-      </p:pic>
-      <p:pic>
-        <p:nvPicPr>
-          <p:cNvPr id="52" name="Picture Placeholder 51" descr="headshot&#10;">
-            <a:extLst>
-              <a:ext uri="{FF2B5EF4-FFF2-40B4-BE49-F238E27FC236}">
-                <a16:creationId xmlns:a16="http://schemas.microsoft.com/office/drawing/2014/main" id="{5627016D-56BA-488E-8BFE-69BFDFF4EAE8}"/>
-              </a:ext>
-            </a:extLst>
-          </p:cNvPr>
-          <p:cNvPicPr>
-            <a:picLocks noGrp="1" noChangeAspect="1"/>
-          </p:cNvPicPr>
-          <p:nvPr>
-            <p:ph type="pic" sz="quarter" idx="17"/>
-          </p:nvPr>
-        </p:nvPicPr>
-        <p:blipFill>
-          <a:blip r:embed="rId6"/>
-          <a:srcRect/>
-          <a:stretch>
-            <a:fillRect/>
-          </a:stretch>
-        </p:blipFill>
-        <p:spPr>
-          <a:prstGeom prst="rect">
-            <a:avLst/>
-          </a:prstGeom>
-        </p:spPr>
-      </p:pic>
-      <p:sp>
-        <p:nvSpPr>
-          <p:cNvPr id="41" name="Text Placeholder 40">
-            <a:extLst>
-              <a:ext uri="{FF2B5EF4-FFF2-40B4-BE49-F238E27FC236}">
-                <a16:creationId xmlns:a16="http://schemas.microsoft.com/office/drawing/2014/main" id="{CFB0BE77-8B15-4781-AF23-C9411262EDF4}"/>
-              </a:ext>
-            </a:extLst>
-          </p:cNvPr>
-          <p:cNvSpPr>
-            <a:spLocks noGrp="1"/>
-          </p:cNvSpPr>
-          <p:nvPr>
-            <p:ph type="body" sz="quarter" idx="18"/>
-          </p:nvPr>
-        </p:nvSpPr>
-        <p:spPr/>
-        <p:txBody>
-          <a:bodyPr/>
-          <a:lstStyle/>
-          <a:p>
-            <a:r>
-              <a:rPr lang="en-US" dirty="0"/>
-              <a:t>Name</a:t>
-            </a:r>
-          </a:p>
-        </p:txBody>
-      </p:sp>
-      <p:sp>
-        <p:nvSpPr>
-          <p:cNvPr id="42" name="Text Placeholder 41">
-            <a:extLst>
-              <a:ext uri="{FF2B5EF4-FFF2-40B4-BE49-F238E27FC236}">
-                <a16:creationId xmlns:a16="http://schemas.microsoft.com/office/drawing/2014/main" id="{50AEA7E8-D2F7-4898-95B2-6E7A6DEB1296}"/>
-              </a:ext>
-            </a:extLst>
-          </p:cNvPr>
-          <p:cNvSpPr>
-            <a:spLocks noGrp="1"/>
-          </p:cNvSpPr>
-          <p:nvPr>
-            <p:ph type="body" sz="quarter" idx="19"/>
-          </p:nvPr>
-        </p:nvSpPr>
-        <p:spPr/>
-        <p:txBody>
-          <a:bodyPr/>
-          <a:lstStyle/>
-          <a:p>
-            <a:r>
-              <a:rPr lang="en-US" dirty="0"/>
-              <a:t>Title</a:t>
-            </a:r>
-          </a:p>
-        </p:txBody>
-      </p:sp>
-      <p:sp>
-        <p:nvSpPr>
-          <p:cNvPr id="43" name="Text Placeholder 42">
-            <a:extLst>
-              <a:ext uri="{FF2B5EF4-FFF2-40B4-BE49-F238E27FC236}">
-                <a16:creationId xmlns:a16="http://schemas.microsoft.com/office/drawing/2014/main" id="{9D0D3296-1545-452C-97A5-B2243D49FA05}"/>
-              </a:ext>
-            </a:extLst>
-          </p:cNvPr>
-          <p:cNvSpPr>
-            <a:spLocks noGrp="1"/>
-          </p:cNvSpPr>
-          <p:nvPr>
-            <p:ph type="body" sz="quarter" idx="20"/>
-          </p:nvPr>
-        </p:nvSpPr>
-        <p:spPr/>
-        <p:txBody>
-          <a:bodyPr/>
-          <a:lstStyle/>
-          <a:p>
-            <a:r>
-              <a:rPr lang="en-US" dirty="0"/>
-              <a:t>Name</a:t>
-            </a:r>
-          </a:p>
-        </p:txBody>
-      </p:sp>
-      <p:sp>
-        <p:nvSpPr>
-          <p:cNvPr id="44" name="Text Placeholder 43">
-            <a:extLst>
-              <a:ext uri="{FF2B5EF4-FFF2-40B4-BE49-F238E27FC236}">
-                <a16:creationId xmlns:a16="http://schemas.microsoft.com/office/drawing/2014/main" id="{221A049F-EF2C-46AC-BF42-4AD1D261256B}"/>
-              </a:ext>
-            </a:extLst>
-          </p:cNvPr>
-          <p:cNvSpPr>
-            <a:spLocks noGrp="1"/>
-          </p:cNvSpPr>
-          <p:nvPr>
-            <p:ph type="body" sz="quarter" idx="21"/>
-          </p:nvPr>
-        </p:nvSpPr>
-        <p:spPr/>
-        <p:txBody>
-          <a:bodyPr/>
-          <a:lstStyle/>
-          <a:p>
-            <a:r>
-              <a:rPr lang="en-US" dirty="0"/>
-              <a:t>Title</a:t>
-            </a:r>
-          </a:p>
-        </p:txBody>
-      </p:sp>
-      <p:sp>
-        <p:nvSpPr>
-          <p:cNvPr id="45" name="Text Placeholder 44">
-            <a:extLst>
-              <a:ext uri="{FF2B5EF4-FFF2-40B4-BE49-F238E27FC236}">
-                <a16:creationId xmlns:a16="http://schemas.microsoft.com/office/drawing/2014/main" id="{DDA8DD57-E5D8-496A-8904-9EB21CA560AE}"/>
-              </a:ext>
-            </a:extLst>
-          </p:cNvPr>
-          <p:cNvSpPr>
-            <a:spLocks noGrp="1"/>
-          </p:cNvSpPr>
-          <p:nvPr>
-            <p:ph type="body" sz="quarter" idx="22"/>
-          </p:nvPr>
-        </p:nvSpPr>
-        <p:spPr/>
-        <p:txBody>
-          <a:bodyPr/>
-          <a:lstStyle/>
-          <a:p>
-            <a:r>
-              <a:rPr lang="en-US" dirty="0"/>
-              <a:t>Name</a:t>
-            </a:r>
-          </a:p>
-        </p:txBody>
-      </p:sp>
-      <p:sp>
-        <p:nvSpPr>
-          <p:cNvPr id="46" name="Text Placeholder 45">
-            <a:extLst>
-              <a:ext uri="{FF2B5EF4-FFF2-40B4-BE49-F238E27FC236}">
-                <a16:creationId xmlns:a16="http://schemas.microsoft.com/office/drawing/2014/main" id="{AAA48260-7158-4513-8A37-B9B609C93664}"/>
-              </a:ext>
-            </a:extLst>
-          </p:cNvPr>
-          <p:cNvSpPr>
-            <a:spLocks noGrp="1"/>
-          </p:cNvSpPr>
-          <p:nvPr>
-            <p:ph type="body" sz="quarter" idx="23"/>
-          </p:nvPr>
-        </p:nvSpPr>
-        <p:spPr/>
-        <p:txBody>
-          <a:bodyPr/>
-          <a:lstStyle/>
-          <a:p>
-            <a:r>
-              <a:rPr lang="en-US" dirty="0"/>
-              <a:t>Title</a:t>
-            </a:r>
-          </a:p>
-        </p:txBody>
-      </p:sp>
-      <p:sp>
-        <p:nvSpPr>
-          <p:cNvPr id="47" name="Text Placeholder 46">
-            <a:extLst>
-              <a:ext uri="{FF2B5EF4-FFF2-40B4-BE49-F238E27FC236}">
-                <a16:creationId xmlns:a16="http://schemas.microsoft.com/office/drawing/2014/main" id="{7A9D877F-E210-427F-95F7-89E97544BB14}"/>
-              </a:ext>
-            </a:extLst>
-          </p:cNvPr>
-          <p:cNvSpPr>
-            <a:spLocks noGrp="1"/>
-          </p:cNvSpPr>
-          <p:nvPr>
-            <p:ph type="body" sz="quarter" idx="24"/>
-          </p:nvPr>
-        </p:nvSpPr>
-        <p:spPr/>
-        <p:txBody>
-          <a:bodyPr/>
-          <a:lstStyle/>
-          <a:p>
-            <a:r>
-              <a:rPr lang="en-US" dirty="0"/>
-              <a:t>Name</a:t>
-            </a:r>
-          </a:p>
-        </p:txBody>
-      </p:sp>
-      <p:sp>
-        <p:nvSpPr>
-          <p:cNvPr id="48" name="Text Placeholder 47">
-            <a:extLst>
-              <a:ext uri="{FF2B5EF4-FFF2-40B4-BE49-F238E27FC236}">
-                <a16:creationId xmlns:a16="http://schemas.microsoft.com/office/drawing/2014/main" id="{4C0E548D-CE2A-45C7-8DCF-F21F9AC37D34}"/>
-              </a:ext>
-            </a:extLst>
-          </p:cNvPr>
-          <p:cNvSpPr>
-            <a:spLocks noGrp="1"/>
-          </p:cNvSpPr>
-          <p:nvPr>
-            <p:ph type="body" sz="quarter" idx="25"/>
-          </p:nvPr>
-        </p:nvSpPr>
-        <p:spPr/>
-        <p:txBody>
-          <a:bodyPr/>
-          <a:lstStyle/>
-          <a:p>
-            <a:r>
-              <a:rPr lang="en-US" dirty="0"/>
-              <a:t>Title</a:t>
-            </a:r>
-          </a:p>
-        </p:txBody>
-      </p:sp>
-      <p:sp>
-        <p:nvSpPr>
-          <p:cNvPr id="4" name="Footer Placeholder 3">
-            <a:extLst>
-              <a:ext uri="{FF2B5EF4-FFF2-40B4-BE49-F238E27FC236}">
-                <a16:creationId xmlns:a16="http://schemas.microsoft.com/office/drawing/2014/main" id="{BDE43692-0C8D-4CD7-B6E4-87299B4930CC}"/>
-              </a:ext>
-            </a:extLst>
-          </p:cNvPr>
-          <p:cNvSpPr>
-            <a:spLocks noGrp="1"/>
-          </p:cNvSpPr>
-          <p:nvPr>
-            <p:ph type="ftr" sz="quarter" idx="11"/>
-          </p:nvPr>
-        </p:nvSpPr>
-        <p:spPr>
-          <a:xfrm>
-            <a:off x="1535372" y="6309360"/>
-            <a:ext cx="4946592" cy="457200"/>
-          </a:xfrm>
-        </p:spPr>
-        <p:txBody>
-          <a:bodyPr/>
-          <a:lstStyle/>
-          <a:p>
-            <a:r>
-              <a:rPr lang="en-US" dirty="0"/>
-              <a:t>Presentation Title</a:t>
-            </a:r>
-          </a:p>
-        </p:txBody>
-      </p:sp>
-      <p:sp>
-        <p:nvSpPr>
-          <p:cNvPr id="5" name="Slide Number Placeholder 4">
-            <a:extLst>
-              <a:ext uri="{FF2B5EF4-FFF2-40B4-BE49-F238E27FC236}">
-                <a16:creationId xmlns:a16="http://schemas.microsoft.com/office/drawing/2014/main" id="{83284A8D-A9ED-4EB8-B282-A34AB39E8F3B}"/>
-              </a:ext>
-            </a:extLst>
-          </p:cNvPr>
-          <p:cNvSpPr>
-            <a:spLocks noGrp="1"/>
-          </p:cNvSpPr>
-          <p:nvPr>
-            <p:ph type="sldNum" sz="quarter" idx="12"/>
-          </p:nvPr>
-        </p:nvSpPr>
-        <p:spPr>
-          <a:xfrm>
-            <a:off x="10569202" y="6309360"/>
-            <a:ext cx="979879" cy="457200"/>
-          </a:xfrm>
-        </p:spPr>
-        <p:txBody>
-          <a:bodyPr/>
-          <a:lstStyle/>
-          <a:p>
-            <a:fld id="{FAEF9944-A4F6-4C59-AEBD-678D6480B8EA}" type="slidenum">
-              <a:rPr lang="en-US" smtClean="0"/>
-              <a:pPr/>
-              <a:t>14</a:t>
-            </a:fld>
-            <a:endParaRPr lang="en-US" dirty="0"/>
-          </a:p>
-        </p:txBody>
-      </p:sp>
-    </p:spTree>
-    <p:extLst>
-      <p:ext uri="{BB962C8B-B14F-4D97-AF65-F5344CB8AC3E}">
-        <p14:creationId xmlns:p14="http://schemas.microsoft.com/office/powerpoint/2010/main" val="2069271734"/>
       </p:ext>
     </p:extLst>
   </p:cSld>
@@ -18169,10 +17976,10 @@
       </p:grpSpPr>
       <p:sp>
         <p:nvSpPr>
-          <p:cNvPr id="6" name="Title 5">
-            <a:extLst>
-              <a:ext uri="{FF2B5EF4-FFF2-40B4-BE49-F238E27FC236}">
-                <a16:creationId xmlns:a16="http://schemas.microsoft.com/office/drawing/2014/main" id="{59EFE67E-60AE-41C6-B6C4-7FC54FE38305}"/>
+          <p:cNvPr id="8" name="Title 7">
+            <a:extLst>
+              <a:ext uri="{FF2B5EF4-FFF2-40B4-BE49-F238E27FC236}">
+                <a16:creationId xmlns:a16="http://schemas.microsoft.com/office/drawing/2014/main" id="{A7F75F49-C034-480C-BF42-A457B92F91A0}"/>
               </a:ext>
             </a:extLst>
           </p:cNvPr>
@@ -18195,17 +18002,357 @@
           <a:p>
             <a:r>
               <a:rPr lang="en-US" dirty="0"/>
-              <a:t>Timeline</a:t>
+              <a:t>Team</a:t>
             </a:r>
           </a:p>
         </p:txBody>
       </p:sp>
-      <p:sp>
-        <p:nvSpPr>
-          <p:cNvPr id="3" name="Footer Placeholder 2">
-            <a:extLst>
-              <a:ext uri="{FF2B5EF4-FFF2-40B4-BE49-F238E27FC236}">
-                <a16:creationId xmlns:a16="http://schemas.microsoft.com/office/drawing/2014/main" id="{291BF2BA-ADC4-4A71-B4A0-9B3047AA9288}"/>
+      <p:pic>
+        <p:nvPicPr>
+          <p:cNvPr id="49" name="Picture Placeholder 48" descr="headshot&#10;">
+            <a:extLst>
+              <a:ext uri="{FF2B5EF4-FFF2-40B4-BE49-F238E27FC236}">
+                <a16:creationId xmlns:a16="http://schemas.microsoft.com/office/drawing/2014/main" id="{652B03F3-8493-45AF-80D6-38C58AFD5320}"/>
+              </a:ext>
+            </a:extLst>
+          </p:cNvPr>
+          <p:cNvPicPr>
+            <a:picLocks noGrp="1" noChangeAspect="1"/>
+          </p:cNvPicPr>
+          <p:nvPr>
+            <p:ph type="pic" sz="quarter" idx="14"/>
+          </p:nvPr>
+        </p:nvPicPr>
+        <p:blipFill>
+          <a:blip r:embed="rId3"/>
+          <a:srcRect/>
+          <a:stretch>
+            <a:fillRect/>
+          </a:stretch>
+        </p:blipFill>
+        <p:spPr>
+          <a:prstGeom prst="rect">
+            <a:avLst/>
+          </a:prstGeom>
+        </p:spPr>
+      </p:pic>
+      <p:pic>
+        <p:nvPicPr>
+          <p:cNvPr id="50" name="Picture Placeholder 49" descr="headshot&#10;">
+            <a:extLst>
+              <a:ext uri="{FF2B5EF4-FFF2-40B4-BE49-F238E27FC236}">
+                <a16:creationId xmlns:a16="http://schemas.microsoft.com/office/drawing/2014/main" id="{B984741E-79AC-42F3-A3C9-CD97CDC66C6F}"/>
+              </a:ext>
+            </a:extLst>
+          </p:cNvPr>
+          <p:cNvPicPr>
+            <a:picLocks noGrp="1" noChangeAspect="1"/>
+          </p:cNvPicPr>
+          <p:nvPr>
+            <p:ph type="pic" sz="quarter" idx="15"/>
+          </p:nvPr>
+        </p:nvPicPr>
+        <p:blipFill>
+          <a:blip r:embed="rId4"/>
+          <a:srcRect/>
+          <a:stretch>
+            <a:fillRect/>
+          </a:stretch>
+        </p:blipFill>
+        <p:spPr>
+          <a:prstGeom prst="rect">
+            <a:avLst/>
+          </a:prstGeom>
+        </p:spPr>
+      </p:pic>
+      <p:pic>
+        <p:nvPicPr>
+          <p:cNvPr id="51" name="Picture Placeholder 50" descr="headshot&#10;">
+            <a:extLst>
+              <a:ext uri="{FF2B5EF4-FFF2-40B4-BE49-F238E27FC236}">
+                <a16:creationId xmlns:a16="http://schemas.microsoft.com/office/drawing/2014/main" id="{90B1A3FB-882D-4E36-96CA-9F37197EDC0F}"/>
+              </a:ext>
+            </a:extLst>
+          </p:cNvPr>
+          <p:cNvPicPr>
+            <a:picLocks noGrp="1" noChangeAspect="1"/>
+          </p:cNvPicPr>
+          <p:nvPr>
+            <p:ph type="pic" sz="quarter" idx="16"/>
+          </p:nvPr>
+        </p:nvPicPr>
+        <p:blipFill>
+          <a:blip r:embed="rId5"/>
+          <a:srcRect/>
+          <a:stretch>
+            <a:fillRect/>
+          </a:stretch>
+        </p:blipFill>
+        <p:spPr>
+          <a:prstGeom prst="rect">
+            <a:avLst/>
+          </a:prstGeom>
+        </p:spPr>
+      </p:pic>
+      <p:pic>
+        <p:nvPicPr>
+          <p:cNvPr id="52" name="Picture Placeholder 51" descr="headshot&#10;">
+            <a:extLst>
+              <a:ext uri="{FF2B5EF4-FFF2-40B4-BE49-F238E27FC236}">
+                <a16:creationId xmlns:a16="http://schemas.microsoft.com/office/drawing/2014/main" id="{5627016D-56BA-488E-8BFE-69BFDFF4EAE8}"/>
+              </a:ext>
+            </a:extLst>
+          </p:cNvPr>
+          <p:cNvPicPr>
+            <a:picLocks noGrp="1" noChangeAspect="1"/>
+          </p:cNvPicPr>
+          <p:nvPr>
+            <p:ph type="pic" sz="quarter" idx="17"/>
+          </p:nvPr>
+        </p:nvPicPr>
+        <p:blipFill>
+          <a:blip r:embed="rId6"/>
+          <a:srcRect/>
+          <a:stretch>
+            <a:fillRect/>
+          </a:stretch>
+        </p:blipFill>
+        <p:spPr>
+          <a:prstGeom prst="rect">
+            <a:avLst/>
+          </a:prstGeom>
+        </p:spPr>
+      </p:pic>
+      <p:sp>
+        <p:nvSpPr>
+          <p:cNvPr id="41" name="Text Placeholder 40">
+            <a:extLst>
+              <a:ext uri="{FF2B5EF4-FFF2-40B4-BE49-F238E27FC236}">
+                <a16:creationId xmlns:a16="http://schemas.microsoft.com/office/drawing/2014/main" id="{CFB0BE77-8B15-4781-AF23-C9411262EDF4}"/>
+              </a:ext>
+            </a:extLst>
+          </p:cNvPr>
+          <p:cNvSpPr>
+            <a:spLocks noGrp="1"/>
+          </p:cNvSpPr>
+          <p:nvPr>
+            <p:ph type="body" sz="quarter" idx="18"/>
+          </p:nvPr>
+        </p:nvSpPr>
+        <p:spPr/>
+        <p:txBody>
+          <a:bodyPr/>
+          <a:lstStyle/>
+          <a:p>
+            <a:r>
+              <a:rPr lang="en-US" dirty="0"/>
+              <a:t>Name</a:t>
+            </a:r>
+          </a:p>
+        </p:txBody>
+      </p:sp>
+      <p:sp>
+        <p:nvSpPr>
+          <p:cNvPr id="42" name="Text Placeholder 41">
+            <a:extLst>
+              <a:ext uri="{FF2B5EF4-FFF2-40B4-BE49-F238E27FC236}">
+                <a16:creationId xmlns:a16="http://schemas.microsoft.com/office/drawing/2014/main" id="{50AEA7E8-D2F7-4898-95B2-6E7A6DEB1296}"/>
+              </a:ext>
+            </a:extLst>
+          </p:cNvPr>
+          <p:cNvSpPr>
+            <a:spLocks noGrp="1"/>
+          </p:cNvSpPr>
+          <p:nvPr>
+            <p:ph type="body" sz="quarter" idx="19"/>
+          </p:nvPr>
+        </p:nvSpPr>
+        <p:spPr/>
+        <p:txBody>
+          <a:bodyPr/>
+          <a:lstStyle/>
+          <a:p>
+            <a:r>
+              <a:rPr lang="en-US" dirty="0"/>
+              <a:t>Title</a:t>
+            </a:r>
+          </a:p>
+        </p:txBody>
+      </p:sp>
+      <p:sp>
+        <p:nvSpPr>
+          <p:cNvPr id="43" name="Text Placeholder 42">
+            <a:extLst>
+              <a:ext uri="{FF2B5EF4-FFF2-40B4-BE49-F238E27FC236}">
+                <a16:creationId xmlns:a16="http://schemas.microsoft.com/office/drawing/2014/main" id="{9D0D3296-1545-452C-97A5-B2243D49FA05}"/>
+              </a:ext>
+            </a:extLst>
+          </p:cNvPr>
+          <p:cNvSpPr>
+            <a:spLocks noGrp="1"/>
+          </p:cNvSpPr>
+          <p:nvPr>
+            <p:ph type="body" sz="quarter" idx="20"/>
+          </p:nvPr>
+        </p:nvSpPr>
+        <p:spPr/>
+        <p:txBody>
+          <a:bodyPr/>
+          <a:lstStyle/>
+          <a:p>
+            <a:r>
+              <a:rPr lang="en-US" dirty="0"/>
+              <a:t>Name</a:t>
+            </a:r>
+          </a:p>
+        </p:txBody>
+      </p:sp>
+      <p:sp>
+        <p:nvSpPr>
+          <p:cNvPr id="44" name="Text Placeholder 43">
+            <a:extLst>
+              <a:ext uri="{FF2B5EF4-FFF2-40B4-BE49-F238E27FC236}">
+                <a16:creationId xmlns:a16="http://schemas.microsoft.com/office/drawing/2014/main" id="{221A049F-EF2C-46AC-BF42-4AD1D261256B}"/>
+              </a:ext>
+            </a:extLst>
+          </p:cNvPr>
+          <p:cNvSpPr>
+            <a:spLocks noGrp="1"/>
+          </p:cNvSpPr>
+          <p:nvPr>
+            <p:ph type="body" sz="quarter" idx="21"/>
+          </p:nvPr>
+        </p:nvSpPr>
+        <p:spPr/>
+        <p:txBody>
+          <a:bodyPr/>
+          <a:lstStyle/>
+          <a:p>
+            <a:r>
+              <a:rPr lang="en-US" dirty="0"/>
+              <a:t>Title</a:t>
+            </a:r>
+          </a:p>
+        </p:txBody>
+      </p:sp>
+      <p:sp>
+        <p:nvSpPr>
+          <p:cNvPr id="45" name="Text Placeholder 44">
+            <a:extLst>
+              <a:ext uri="{FF2B5EF4-FFF2-40B4-BE49-F238E27FC236}">
+                <a16:creationId xmlns:a16="http://schemas.microsoft.com/office/drawing/2014/main" id="{DDA8DD57-E5D8-496A-8904-9EB21CA560AE}"/>
+              </a:ext>
+            </a:extLst>
+          </p:cNvPr>
+          <p:cNvSpPr>
+            <a:spLocks noGrp="1"/>
+          </p:cNvSpPr>
+          <p:nvPr>
+            <p:ph type="body" sz="quarter" idx="22"/>
+          </p:nvPr>
+        </p:nvSpPr>
+        <p:spPr/>
+        <p:txBody>
+          <a:bodyPr/>
+          <a:lstStyle/>
+          <a:p>
+            <a:r>
+              <a:rPr lang="en-US" dirty="0"/>
+              <a:t>Name</a:t>
+            </a:r>
+          </a:p>
+        </p:txBody>
+      </p:sp>
+      <p:sp>
+        <p:nvSpPr>
+          <p:cNvPr id="46" name="Text Placeholder 45">
+            <a:extLst>
+              <a:ext uri="{FF2B5EF4-FFF2-40B4-BE49-F238E27FC236}">
+                <a16:creationId xmlns:a16="http://schemas.microsoft.com/office/drawing/2014/main" id="{AAA48260-7158-4513-8A37-B9B609C93664}"/>
+              </a:ext>
+            </a:extLst>
+          </p:cNvPr>
+          <p:cNvSpPr>
+            <a:spLocks noGrp="1"/>
+          </p:cNvSpPr>
+          <p:nvPr>
+            <p:ph type="body" sz="quarter" idx="23"/>
+          </p:nvPr>
+        </p:nvSpPr>
+        <p:spPr/>
+        <p:txBody>
+          <a:bodyPr/>
+          <a:lstStyle/>
+          <a:p>
+            <a:r>
+              <a:rPr lang="en-US" dirty="0"/>
+              <a:t>Title</a:t>
+            </a:r>
+          </a:p>
+        </p:txBody>
+      </p:sp>
+      <p:sp>
+        <p:nvSpPr>
+          <p:cNvPr id="47" name="Text Placeholder 46">
+            <a:extLst>
+              <a:ext uri="{FF2B5EF4-FFF2-40B4-BE49-F238E27FC236}">
+                <a16:creationId xmlns:a16="http://schemas.microsoft.com/office/drawing/2014/main" id="{7A9D877F-E210-427F-95F7-89E97544BB14}"/>
+              </a:ext>
+            </a:extLst>
+          </p:cNvPr>
+          <p:cNvSpPr>
+            <a:spLocks noGrp="1"/>
+          </p:cNvSpPr>
+          <p:nvPr>
+            <p:ph type="body" sz="quarter" idx="24"/>
+          </p:nvPr>
+        </p:nvSpPr>
+        <p:spPr/>
+        <p:txBody>
+          <a:bodyPr/>
+          <a:lstStyle/>
+          <a:p>
+            <a:r>
+              <a:rPr lang="en-US" dirty="0"/>
+              <a:t>Name</a:t>
+            </a:r>
+          </a:p>
+        </p:txBody>
+      </p:sp>
+      <p:sp>
+        <p:nvSpPr>
+          <p:cNvPr id="48" name="Text Placeholder 47">
+            <a:extLst>
+              <a:ext uri="{FF2B5EF4-FFF2-40B4-BE49-F238E27FC236}">
+                <a16:creationId xmlns:a16="http://schemas.microsoft.com/office/drawing/2014/main" id="{4C0E548D-CE2A-45C7-8DCF-F21F9AC37D34}"/>
+              </a:ext>
+            </a:extLst>
+          </p:cNvPr>
+          <p:cNvSpPr>
+            <a:spLocks noGrp="1"/>
+          </p:cNvSpPr>
+          <p:nvPr>
+            <p:ph type="body" sz="quarter" idx="25"/>
+          </p:nvPr>
+        </p:nvSpPr>
+        <p:spPr/>
+        <p:txBody>
+          <a:bodyPr/>
+          <a:lstStyle/>
+          <a:p>
+            <a:r>
+              <a:rPr lang="en-US" dirty="0"/>
+              <a:t>Title</a:t>
+            </a:r>
+          </a:p>
+        </p:txBody>
+      </p:sp>
+      <p:sp>
+        <p:nvSpPr>
+          <p:cNvPr id="4" name="Footer Placeholder 3">
+            <a:extLst>
+              <a:ext uri="{FF2B5EF4-FFF2-40B4-BE49-F238E27FC236}">
+                <a16:creationId xmlns:a16="http://schemas.microsoft.com/office/drawing/2014/main" id="{BDE43692-0C8D-4CD7-B6E4-87299B4930CC}"/>
               </a:ext>
             </a:extLst>
           </p:cNvPr>
@@ -18238,7 +18385,7 @@
           <p:cNvPr id="5" name="Slide Number Placeholder 4">
             <a:extLst>
               <a:ext uri="{FF2B5EF4-FFF2-40B4-BE49-F238E27FC236}">
-                <a16:creationId xmlns:a16="http://schemas.microsoft.com/office/drawing/2014/main" id="{46B20231-9711-4B47-A80C-85346582D3DF}"/>
+                <a16:creationId xmlns:a16="http://schemas.microsoft.com/office/drawing/2014/main" id="{83284A8D-A9ED-4EB8-B282-A34AB39E8F3B}"/>
               </a:ext>
             </a:extLst>
           </p:cNvPr>
@@ -18268,40 +18415,10 @@
           </a:p>
         </p:txBody>
       </p:sp>
-      <p:graphicFrame>
-        <p:nvGraphicFramePr>
-          <p:cNvPr id="9" name="Content Placeholder 3" descr="Timeline Smart Art Placeholder">
-            <a:extLst>
-              <a:ext uri="{FF2B5EF4-FFF2-40B4-BE49-F238E27FC236}">
-                <a16:creationId xmlns:a16="http://schemas.microsoft.com/office/drawing/2014/main" id="{34466B8E-B3C3-4427-AD0D-6EE575A4212C}"/>
-              </a:ext>
-            </a:extLst>
-          </p:cNvPr>
-          <p:cNvGraphicFramePr>
-            <a:graphicFrameLocks/>
-          </p:cNvGraphicFramePr>
-          <p:nvPr>
-            <p:extLst>
-              <p:ext uri="{D42A27DB-BD31-4B8C-83A1-F6EECF244321}">
-                <p14:modId xmlns:p14="http://schemas.microsoft.com/office/powerpoint/2010/main" val="4283889039"/>
-              </p:ext>
-            </p:extLst>
-          </p:nvPr>
-        </p:nvGraphicFramePr>
-        <p:xfrm>
-          <a:off x="1637082" y="279567"/>
-          <a:ext cx="10013709" cy="4143656"/>
-        </p:xfrm>
-        <a:graphic>
-          <a:graphicData uri="http://schemas.openxmlformats.org/drawingml/2006/diagram">
-            <dgm:relIds xmlns:dgm="http://schemas.openxmlformats.org/drawingml/2006/diagram" xmlns:r="http://schemas.openxmlformats.org/officeDocument/2006/relationships" r:dm="rId2" r:lo="rId3" r:qs="rId4" r:cs="rId5"/>
-          </a:graphicData>
-        </a:graphic>
-      </p:graphicFrame>
     </p:spTree>
     <p:extLst>
       <p:ext uri="{BB962C8B-B14F-4D97-AF65-F5344CB8AC3E}">
-        <p14:creationId xmlns:p14="http://schemas.microsoft.com/office/powerpoint/2010/main" val="2059018563"/>
+        <p14:creationId xmlns:p14="http://schemas.microsoft.com/office/powerpoint/2010/main" val="2069271734"/>
       </p:ext>
     </p:extLst>
   </p:cSld>
@@ -18330,10 +18447,10 @@
       </p:grpSpPr>
       <p:sp>
         <p:nvSpPr>
-          <p:cNvPr id="4" name="Title 3">
-            <a:extLst>
-              <a:ext uri="{FF2B5EF4-FFF2-40B4-BE49-F238E27FC236}">
-                <a16:creationId xmlns:a16="http://schemas.microsoft.com/office/drawing/2014/main" id="{C0235702-D252-448C-B19A-B3316C4F88E2}"/>
+          <p:cNvPr id="6" name="Title 5">
+            <a:extLst>
+              <a:ext uri="{FF2B5EF4-FFF2-40B4-BE49-F238E27FC236}">
+                <a16:creationId xmlns:a16="http://schemas.microsoft.com/office/drawing/2014/main" id="{59EFE67E-60AE-41C6-B6C4-7FC54FE38305}"/>
               </a:ext>
             </a:extLst>
           </p:cNvPr>
@@ -18346,29 +18463,27 @@
         </p:nvSpPr>
         <p:spPr>
           <a:xfrm>
-            <a:off x="648935" y="180644"/>
-            <a:ext cx="10900146" cy="935776"/>
-          </a:xfrm>
-        </p:spPr>
-        <p:txBody>
-          <a:bodyPr>
-            <a:noAutofit/>
-          </a:bodyPr>
+            <a:off x="1535372" y="4872251"/>
+            <a:ext cx="10013709" cy="1030360"/>
+          </a:xfrm>
+        </p:spPr>
+        <p:txBody>
+          <a:bodyPr/>
           <a:lstStyle/>
           <a:p>
             <a:r>
               <a:rPr lang="en-US" dirty="0"/>
-              <a:t>Content</a:t>
+              <a:t>Timeline</a:t>
             </a:r>
           </a:p>
         </p:txBody>
       </p:sp>
       <p:sp>
         <p:nvSpPr>
-          <p:cNvPr id="8" name="Content Placeholder 7">
-            <a:extLst>
-              <a:ext uri="{FF2B5EF4-FFF2-40B4-BE49-F238E27FC236}">
-                <a16:creationId xmlns:a16="http://schemas.microsoft.com/office/drawing/2014/main" id="{CED188D3-E97C-4E64-AEC5-BA2CE083B7F3}"/>
+          <p:cNvPr id="3" name="Footer Placeholder 2">
+            <a:extLst>
+              <a:ext uri="{FF2B5EF4-FFF2-40B4-BE49-F238E27FC236}">
+                <a16:creationId xmlns:a16="http://schemas.microsoft.com/office/drawing/2014/main" id="{291BF2BA-ADC4-4A71-B4A0-9B3047AA9288}"/>
               </a:ext>
             </a:extLst>
           </p:cNvPr>
@@ -18376,177 +18491,13 @@
             <a:spLocks noGrp="1"/>
           </p:cNvSpPr>
           <p:nvPr>
-            <p:ph idx="14"/>
-          </p:nvPr>
-        </p:nvSpPr>
-        <p:spPr>
-          <a:xfrm>
-            <a:off x="648934" y="1834005"/>
-            <a:ext cx="4727735" cy="465155"/>
-          </a:xfrm>
-        </p:spPr>
-        <p:txBody>
-          <a:bodyPr>
-            <a:noAutofit/>
-          </a:bodyPr>
-          <a:lstStyle/>
-          <a:p>
-            <a:r>
-              <a:rPr lang="en-US" dirty="0"/>
-              <a:t>Subtitle</a:t>
-            </a:r>
-          </a:p>
-        </p:txBody>
-      </p:sp>
-      <p:sp>
-        <p:nvSpPr>
-          <p:cNvPr id="5" name="Content Placeholder 4">
-            <a:extLst>
-              <a:ext uri="{FF2B5EF4-FFF2-40B4-BE49-F238E27FC236}">
-                <a16:creationId xmlns:a16="http://schemas.microsoft.com/office/drawing/2014/main" id="{8D8FE1B0-9E5F-4C60-B1BF-E3D551EDCF6C}"/>
-              </a:ext>
-            </a:extLst>
-          </p:cNvPr>
-          <p:cNvSpPr>
-            <a:spLocks noGrp="1"/>
-          </p:cNvSpPr>
-          <p:nvPr>
-            <p:ph idx="1"/>
-          </p:nvPr>
-        </p:nvSpPr>
-        <p:spPr>
-          <a:xfrm>
-            <a:off x="648934" y="2422380"/>
-            <a:ext cx="4727735" cy="3029446"/>
-          </a:xfrm>
-        </p:spPr>
-        <p:txBody>
-          <a:bodyPr>
-            <a:noAutofit/>
-          </a:bodyPr>
-          <a:lstStyle/>
-          <a:p>
-            <a:r>
-              <a:rPr lang="en-US" dirty="0"/>
-              <a:t>Add text, images, art, and videos. </a:t>
-            </a:r>
-          </a:p>
-          <a:p>
-            <a:r>
-              <a:rPr lang="en-US" dirty="0"/>
-              <a:t>Add transitions, animations, and motion. </a:t>
-            </a:r>
-          </a:p>
-          <a:p>
-            <a:r>
-              <a:rPr lang="en-US" dirty="0"/>
-              <a:t>Save to OneDrive, to get to your presentations from your computer, tablet, or phone. </a:t>
-            </a:r>
-          </a:p>
-        </p:txBody>
-      </p:sp>
-      <p:sp>
-        <p:nvSpPr>
-          <p:cNvPr id="10" name="Content Placeholder 9">
-            <a:extLst>
-              <a:ext uri="{FF2B5EF4-FFF2-40B4-BE49-F238E27FC236}">
-                <a16:creationId xmlns:a16="http://schemas.microsoft.com/office/drawing/2014/main" id="{734818E9-4459-4052-A157-BAEE61330BF3}"/>
-              </a:ext>
-            </a:extLst>
-          </p:cNvPr>
-          <p:cNvSpPr>
-            <a:spLocks noGrp="1"/>
-          </p:cNvSpPr>
-          <p:nvPr>
-            <p:ph idx="15"/>
-          </p:nvPr>
-        </p:nvSpPr>
-        <p:spPr>
-          <a:xfrm>
-            <a:off x="6095999" y="1834004"/>
-            <a:ext cx="4727735" cy="465155"/>
-          </a:xfrm>
-        </p:spPr>
-        <p:txBody>
-          <a:bodyPr>
-            <a:noAutofit/>
-          </a:bodyPr>
-          <a:lstStyle/>
-          <a:p>
-            <a:r>
-              <a:rPr lang="en-US" dirty="0"/>
-              <a:t>Subtitle</a:t>
-            </a:r>
-          </a:p>
-        </p:txBody>
-      </p:sp>
-      <p:sp>
-        <p:nvSpPr>
-          <p:cNvPr id="6" name="Content Placeholder 5">
-            <a:extLst>
-              <a:ext uri="{FF2B5EF4-FFF2-40B4-BE49-F238E27FC236}">
-                <a16:creationId xmlns:a16="http://schemas.microsoft.com/office/drawing/2014/main" id="{D87483D8-EA65-4964-99D7-AF7C1B80C93A}"/>
-              </a:ext>
-            </a:extLst>
-          </p:cNvPr>
-          <p:cNvSpPr>
-            <a:spLocks noGrp="1"/>
-          </p:cNvSpPr>
-          <p:nvPr>
-            <p:ph idx="13"/>
-          </p:nvPr>
-        </p:nvSpPr>
-        <p:spPr>
-          <a:xfrm>
-            <a:off x="6095999" y="2422380"/>
-            <a:ext cx="4727735" cy="3029446"/>
-          </a:xfrm>
-        </p:spPr>
-        <p:txBody>
-          <a:bodyPr>
-            <a:noAutofit/>
-          </a:bodyPr>
-          <a:lstStyle/>
-          <a:p>
-            <a:r>
-              <a:rPr lang="en-US" dirty="0"/>
-              <a:t>Add text, images, art, and videos. </a:t>
-            </a:r>
-          </a:p>
-          <a:p>
-            <a:r>
-              <a:rPr lang="en-US" dirty="0"/>
-              <a:t>Add transitions, animations, and motion. </a:t>
-            </a:r>
-          </a:p>
-          <a:p>
-            <a:r>
-              <a:rPr lang="en-US" dirty="0"/>
-              <a:t>Save to OneDrive, to get to your presentations from your computer, tablet, or phone. </a:t>
-            </a:r>
-          </a:p>
-        </p:txBody>
-      </p:sp>
-      <p:sp>
-        <p:nvSpPr>
-          <p:cNvPr id="15" name="Footer Placeholder 14">
-            <a:extLst>
-              <a:ext uri="{FF2B5EF4-FFF2-40B4-BE49-F238E27FC236}">
-                <a16:creationId xmlns:a16="http://schemas.microsoft.com/office/drawing/2014/main" id="{4BB4EE3B-13B9-414C-9B6C-C111B789ED0C}"/>
-              </a:ext>
-            </a:extLst>
-          </p:cNvPr>
-          <p:cNvSpPr>
-            <a:spLocks noGrp="1"/>
-          </p:cNvSpPr>
-          <p:nvPr>
             <p:ph type="ftr" sz="quarter" idx="11"/>
           </p:nvPr>
         </p:nvSpPr>
         <p:spPr>
           <a:xfrm>
-            <a:off x="642917" y="6309360"/>
-            <a:ext cx="3423986" cy="457200"/>
+            <a:off x="1535372" y="6309360"/>
+            <a:ext cx="4946592" cy="457200"/>
           </a:xfrm>
         </p:spPr>
         <p:txBody>
@@ -18562,10 +18513,10 @@
       </p:sp>
       <p:sp>
         <p:nvSpPr>
-          <p:cNvPr id="16" name="Slide Number Placeholder 15">
-            <a:extLst>
-              <a:ext uri="{FF2B5EF4-FFF2-40B4-BE49-F238E27FC236}">
-                <a16:creationId xmlns:a16="http://schemas.microsoft.com/office/drawing/2014/main" id="{533E7CD9-5271-46B0-BE9D-C03F6CFC6818}"/>
+          <p:cNvPr id="5" name="Slide Number Placeholder 4">
+            <a:extLst>
+              <a:ext uri="{FF2B5EF4-FFF2-40B4-BE49-F238E27FC236}">
+                <a16:creationId xmlns:a16="http://schemas.microsoft.com/office/drawing/2014/main" id="{46B20231-9711-4B47-A80C-85346582D3DF}"/>
               </a:ext>
             </a:extLst>
           </p:cNvPr>
@@ -18595,10 +18546,40 @@
           </a:p>
         </p:txBody>
       </p:sp>
+      <p:graphicFrame>
+        <p:nvGraphicFramePr>
+          <p:cNvPr id="9" name="Content Placeholder 3" descr="Timeline Smart Art Placeholder">
+            <a:extLst>
+              <a:ext uri="{FF2B5EF4-FFF2-40B4-BE49-F238E27FC236}">
+                <a16:creationId xmlns:a16="http://schemas.microsoft.com/office/drawing/2014/main" id="{34466B8E-B3C3-4427-AD0D-6EE575A4212C}"/>
+              </a:ext>
+            </a:extLst>
+          </p:cNvPr>
+          <p:cNvGraphicFramePr>
+            <a:graphicFrameLocks/>
+          </p:cNvGraphicFramePr>
+          <p:nvPr>
+            <p:extLst>
+              <p:ext uri="{D42A27DB-BD31-4B8C-83A1-F6EECF244321}">
+                <p14:modId xmlns:p14="http://schemas.microsoft.com/office/powerpoint/2010/main" val="4283889039"/>
+              </p:ext>
+            </p:extLst>
+          </p:nvPr>
+        </p:nvGraphicFramePr>
+        <p:xfrm>
+          <a:off x="1637082" y="279567"/>
+          <a:ext cx="10013709" cy="4143656"/>
+        </p:xfrm>
+        <a:graphic>
+          <a:graphicData uri="http://schemas.openxmlformats.org/drawingml/2006/diagram">
+            <dgm:relIds xmlns:dgm="http://schemas.openxmlformats.org/drawingml/2006/diagram" xmlns:r="http://schemas.openxmlformats.org/officeDocument/2006/relationships" r:dm="rId2" r:lo="rId3" r:qs="rId4" r:cs="rId5"/>
+          </a:graphicData>
+        </a:graphic>
+      </p:graphicFrame>
     </p:spTree>
     <p:extLst>
       <p:ext uri="{BB962C8B-B14F-4D97-AF65-F5344CB8AC3E}">
-        <p14:creationId xmlns:p14="http://schemas.microsoft.com/office/powerpoint/2010/main" val="2960976296"/>
+        <p14:creationId xmlns:p14="http://schemas.microsoft.com/office/powerpoint/2010/main" val="2059018563"/>
       </p:ext>
     </p:extLst>
   </p:cSld>
@@ -18627,10 +18608,10 @@
       </p:grpSpPr>
       <p:sp>
         <p:nvSpPr>
-          <p:cNvPr id="10" name="Title 9">
-            <a:extLst>
-              <a:ext uri="{FF2B5EF4-FFF2-40B4-BE49-F238E27FC236}">
-                <a16:creationId xmlns:a16="http://schemas.microsoft.com/office/drawing/2014/main" id="{8D0AE722-3A17-4292-8B0C-015DEE23F973}"/>
+          <p:cNvPr id="4" name="Title 3">
+            <a:extLst>
+              <a:ext uri="{FF2B5EF4-FFF2-40B4-BE49-F238E27FC236}">
+                <a16:creationId xmlns:a16="http://schemas.microsoft.com/office/drawing/2014/main" id="{C0235702-D252-448C-B19A-B3316C4F88E2}"/>
               </a:ext>
             </a:extLst>
           </p:cNvPr>
@@ -18655,17 +18636,17 @@
           <a:p>
             <a:r>
               <a:rPr lang="en-US" dirty="0"/>
-              <a:t>Content 2</a:t>
+              <a:t>Content</a:t>
             </a:r>
           </a:p>
         </p:txBody>
       </p:sp>
       <p:sp>
         <p:nvSpPr>
-          <p:cNvPr id="12" name="Content Placeholder 11">
-            <a:extLst>
-              <a:ext uri="{FF2B5EF4-FFF2-40B4-BE49-F238E27FC236}">
-                <a16:creationId xmlns:a16="http://schemas.microsoft.com/office/drawing/2014/main" id="{DA519990-3C01-4761-BF8E-8A8BC2C56B38}"/>
+          <p:cNvPr id="8" name="Content Placeholder 7">
+            <a:extLst>
+              <a:ext uri="{FF2B5EF4-FFF2-40B4-BE49-F238E27FC236}">
+                <a16:creationId xmlns:a16="http://schemas.microsoft.com/office/drawing/2014/main" id="{CED188D3-E97C-4E64-AEC5-BA2CE083B7F3}"/>
               </a:ext>
             </a:extLst>
           </p:cNvPr>
@@ -18678,12 +18659,14 @@
         </p:nvSpPr>
         <p:spPr>
           <a:xfrm>
-            <a:off x="648935" y="1834005"/>
-            <a:ext cx="3519028" cy="465155"/>
-          </a:xfrm>
-        </p:spPr>
-        <p:txBody>
-          <a:bodyPr/>
+            <a:off x="648934" y="1834005"/>
+            <a:ext cx="4727735" cy="465155"/>
+          </a:xfrm>
+        </p:spPr>
+        <p:txBody>
+          <a:bodyPr>
+            <a:noAutofit/>
+          </a:bodyPr>
           <a:lstStyle/>
           <a:p>
             <a:r>
@@ -18695,10 +18678,10 @@
       </p:sp>
       <p:sp>
         <p:nvSpPr>
-          <p:cNvPr id="11" name="Content Placeholder 10">
-            <a:extLst>
-              <a:ext uri="{FF2B5EF4-FFF2-40B4-BE49-F238E27FC236}">
-                <a16:creationId xmlns:a16="http://schemas.microsoft.com/office/drawing/2014/main" id="{0ED48AB2-7B87-4FA9-90BB-0B88AD92D396}"/>
+          <p:cNvPr id="5" name="Content Placeholder 4">
+            <a:extLst>
+              <a:ext uri="{FF2B5EF4-FFF2-40B4-BE49-F238E27FC236}">
+                <a16:creationId xmlns:a16="http://schemas.microsoft.com/office/drawing/2014/main" id="{8D8FE1B0-9E5F-4C60-B1BF-E3D551EDCF6C}"/>
               </a:ext>
             </a:extLst>
           </p:cNvPr>
@@ -18711,13 +18694,13 @@
         </p:nvSpPr>
         <p:spPr>
           <a:xfrm>
-            <a:off x="648935" y="2419555"/>
-            <a:ext cx="3519028" cy="3197260"/>
+            <a:off x="648934" y="2422380"/>
+            <a:ext cx="4727735" cy="3029446"/>
           </a:xfrm>
         </p:spPr>
         <p:txBody>
           <a:bodyPr>
-            <a:normAutofit/>
+            <a:noAutofit/>
           </a:bodyPr>
           <a:lstStyle/>
           <a:p>
@@ -18742,10 +18725,10 @@
       </p:sp>
       <p:sp>
         <p:nvSpPr>
-          <p:cNvPr id="16" name="Content Placeholder 15">
-            <a:extLst>
-              <a:ext uri="{FF2B5EF4-FFF2-40B4-BE49-F238E27FC236}">
-                <a16:creationId xmlns:a16="http://schemas.microsoft.com/office/drawing/2014/main" id="{98A93BCF-7682-4066-8958-65ED5DD2241C}"/>
+          <p:cNvPr id="10" name="Content Placeholder 9">
+            <a:extLst>
+              <a:ext uri="{FF2B5EF4-FFF2-40B4-BE49-F238E27FC236}">
+                <a16:creationId xmlns:a16="http://schemas.microsoft.com/office/drawing/2014/main" id="{734818E9-4459-4052-A157-BAEE61330BF3}"/>
               </a:ext>
             </a:extLst>
           </p:cNvPr>
@@ -18753,17 +18736,19 @@
             <a:spLocks noGrp="1"/>
           </p:cNvSpPr>
           <p:nvPr>
-            <p:ph idx="18"/>
-          </p:nvPr>
-        </p:nvSpPr>
-        <p:spPr>
-          <a:xfrm>
-            <a:off x="4336486" y="1828356"/>
-            <a:ext cx="3519028" cy="465155"/>
-          </a:xfrm>
-        </p:spPr>
-        <p:txBody>
-          <a:bodyPr/>
+            <p:ph idx="15"/>
+          </p:nvPr>
+        </p:nvSpPr>
+        <p:spPr>
+          <a:xfrm>
+            <a:off x="6095999" y="1834004"/>
+            <a:ext cx="4727735" cy="465155"/>
+          </a:xfrm>
+        </p:spPr>
+        <p:txBody>
+          <a:bodyPr>
+            <a:noAutofit/>
+          </a:bodyPr>
           <a:lstStyle/>
           <a:p>
             <a:r>
@@ -18775,10 +18760,10 @@
       </p:sp>
       <p:sp>
         <p:nvSpPr>
-          <p:cNvPr id="15" name="Content Placeholder 14">
-            <a:extLst>
-              <a:ext uri="{FF2B5EF4-FFF2-40B4-BE49-F238E27FC236}">
-                <a16:creationId xmlns:a16="http://schemas.microsoft.com/office/drawing/2014/main" id="{E73F035B-87AE-4E99-A92D-75E5EC280DE7}"/>
+          <p:cNvPr id="6" name="Content Placeholder 5">
+            <a:extLst>
+              <a:ext uri="{FF2B5EF4-FFF2-40B4-BE49-F238E27FC236}">
+                <a16:creationId xmlns:a16="http://schemas.microsoft.com/office/drawing/2014/main" id="{D87483D8-EA65-4964-99D7-AF7C1B80C93A}"/>
               </a:ext>
             </a:extLst>
           </p:cNvPr>
@@ -18786,18 +18771,18 @@
             <a:spLocks noGrp="1"/>
           </p:cNvSpPr>
           <p:nvPr>
-            <p:ph idx="17"/>
-          </p:nvPr>
-        </p:nvSpPr>
-        <p:spPr>
-          <a:xfrm>
-            <a:off x="4336486" y="2419555"/>
-            <a:ext cx="3519028" cy="3197260"/>
+            <p:ph idx="13"/>
+          </p:nvPr>
+        </p:nvSpPr>
+        <p:spPr>
+          <a:xfrm>
+            <a:off x="6095999" y="2422380"/>
+            <a:ext cx="4727735" cy="3029446"/>
           </a:xfrm>
         </p:spPr>
         <p:txBody>
           <a:bodyPr>
-            <a:normAutofit/>
+            <a:noAutofit/>
           </a:bodyPr>
           <a:lstStyle/>
           <a:p>
@@ -18822,90 +18807,10 @@
       </p:sp>
       <p:sp>
         <p:nvSpPr>
-          <p:cNvPr id="14" name="Content Placeholder 13">
-            <a:extLst>
-              <a:ext uri="{FF2B5EF4-FFF2-40B4-BE49-F238E27FC236}">
-                <a16:creationId xmlns:a16="http://schemas.microsoft.com/office/drawing/2014/main" id="{9E1BABDF-2D81-4200-AB3D-E2AC2AA85192}"/>
-              </a:ext>
-            </a:extLst>
-          </p:cNvPr>
-          <p:cNvSpPr>
-            <a:spLocks noGrp="1"/>
-          </p:cNvSpPr>
-          <p:nvPr>
-            <p:ph idx="16"/>
-          </p:nvPr>
-        </p:nvSpPr>
-        <p:spPr>
-          <a:xfrm>
-            <a:off x="8024037" y="1834005"/>
-            <a:ext cx="3519028" cy="465155"/>
-          </a:xfrm>
-        </p:spPr>
-        <p:txBody>
-          <a:bodyPr/>
-          <a:lstStyle/>
-          <a:p>
-            <a:r>
-              <a:rPr lang="en-US" dirty="0"/>
-              <a:t>Subtitle</a:t>
-            </a:r>
-          </a:p>
-        </p:txBody>
-      </p:sp>
-      <p:sp>
-        <p:nvSpPr>
-          <p:cNvPr id="13" name="Content Placeholder 12">
-            <a:extLst>
-              <a:ext uri="{FF2B5EF4-FFF2-40B4-BE49-F238E27FC236}">
-                <a16:creationId xmlns:a16="http://schemas.microsoft.com/office/drawing/2014/main" id="{502A2BB6-FCA5-49F9-97E9-DFA867C27B54}"/>
-              </a:ext>
-            </a:extLst>
-          </p:cNvPr>
-          <p:cNvSpPr>
-            <a:spLocks noGrp="1"/>
-          </p:cNvSpPr>
-          <p:nvPr>
-            <p:ph idx="15"/>
-          </p:nvPr>
-        </p:nvSpPr>
-        <p:spPr>
-          <a:xfrm>
-            <a:off x="8024037" y="2419555"/>
-            <a:ext cx="3519028" cy="3197260"/>
-          </a:xfrm>
-        </p:spPr>
-        <p:txBody>
-          <a:bodyPr>
-            <a:normAutofit/>
-          </a:bodyPr>
-          <a:lstStyle/>
-          <a:p>
-            <a:r>
-              <a:rPr lang="en-US" dirty="0"/>
-              <a:t>Add text, images, art, and videos. </a:t>
-            </a:r>
-          </a:p>
-          <a:p>
-            <a:r>
-              <a:rPr lang="en-US" dirty="0"/>
-              <a:t>Add transitions, animations, and motion. </a:t>
-            </a:r>
-          </a:p>
-          <a:p>
-            <a:r>
-              <a:rPr lang="en-US" dirty="0"/>
-              <a:t>Save to OneDrive, to get to your presentations from your computer, tablet, or phone. </a:t>
-            </a:r>
-          </a:p>
-        </p:txBody>
-      </p:sp>
-      <p:sp>
-        <p:nvSpPr>
-          <p:cNvPr id="5" name="Footer Placeholder 4">
-            <a:extLst>
-              <a:ext uri="{FF2B5EF4-FFF2-40B4-BE49-F238E27FC236}">
-                <a16:creationId xmlns:a16="http://schemas.microsoft.com/office/drawing/2014/main" id="{60E1A468-4484-47F2-8588-752552EE416C}"/>
+          <p:cNvPr id="15" name="Footer Placeholder 14">
+            <a:extLst>
+              <a:ext uri="{FF2B5EF4-FFF2-40B4-BE49-F238E27FC236}">
+                <a16:creationId xmlns:a16="http://schemas.microsoft.com/office/drawing/2014/main" id="{4BB4EE3B-13B9-414C-9B6C-C111B789ED0C}"/>
               </a:ext>
             </a:extLst>
           </p:cNvPr>
@@ -18935,10 +18840,10 @@
       </p:sp>
       <p:sp>
         <p:nvSpPr>
-          <p:cNvPr id="6" name="Slide Number Placeholder 5">
-            <a:extLst>
-              <a:ext uri="{FF2B5EF4-FFF2-40B4-BE49-F238E27FC236}">
-                <a16:creationId xmlns:a16="http://schemas.microsoft.com/office/drawing/2014/main" id="{8A75989F-94E4-487A-845C-A4F547DDFE8D}"/>
+          <p:cNvPr id="16" name="Slide Number Placeholder 15">
+            <a:extLst>
+              <a:ext uri="{FF2B5EF4-FFF2-40B4-BE49-F238E27FC236}">
+                <a16:creationId xmlns:a16="http://schemas.microsoft.com/office/drawing/2014/main" id="{533E7CD9-5271-46B0-BE9D-C03F6CFC6818}"/>
               </a:ext>
             </a:extLst>
           </p:cNvPr>
@@ -18971,7 +18876,7 @@
     </p:spTree>
     <p:extLst>
       <p:ext uri="{BB962C8B-B14F-4D97-AF65-F5344CB8AC3E}">
-        <p14:creationId xmlns:p14="http://schemas.microsoft.com/office/powerpoint/2010/main" val="2810545261"/>
+        <p14:creationId xmlns:p14="http://schemas.microsoft.com/office/powerpoint/2010/main" val="2960976296"/>
       </p:ext>
     </p:extLst>
   </p:cSld>
@@ -19000,10 +18905,10 @@
       </p:grpSpPr>
       <p:sp>
         <p:nvSpPr>
-          <p:cNvPr id="7" name="Title 6">
-            <a:extLst>
-              <a:ext uri="{FF2B5EF4-FFF2-40B4-BE49-F238E27FC236}">
-                <a16:creationId xmlns:a16="http://schemas.microsoft.com/office/drawing/2014/main" id="{5794278F-BBE1-4D62-8038-1FE9C98B6D37}"/>
+          <p:cNvPr id="10" name="Title 9">
+            <a:extLst>
+              <a:ext uri="{FF2B5EF4-FFF2-40B4-BE49-F238E27FC236}">
+                <a16:creationId xmlns:a16="http://schemas.microsoft.com/office/drawing/2014/main" id="{8D0AE722-3A17-4292-8B0C-015DEE23F973}"/>
               </a:ext>
             </a:extLst>
           </p:cNvPr>
@@ -19016,129 +18921,29 @@
         </p:nvSpPr>
         <p:spPr>
           <a:xfrm>
-            <a:off x="5376668" y="537381"/>
-            <a:ext cx="6172412" cy="1031927"/>
-          </a:xfrm>
-        </p:spPr>
-        <p:txBody>
-          <a:bodyPr/>
+            <a:off x="648935" y="180644"/>
+            <a:ext cx="10900146" cy="935776"/>
+          </a:xfrm>
+        </p:spPr>
+        <p:txBody>
+          <a:bodyPr>
+            <a:noAutofit/>
+          </a:bodyPr>
           <a:lstStyle/>
           <a:p>
             <a:r>
               <a:rPr lang="en-US" dirty="0"/>
-              <a:t>Summary</a:t>
+              <a:t>Content 2</a:t>
             </a:r>
           </a:p>
         </p:txBody>
       </p:sp>
-      <p:pic>
-        <p:nvPicPr>
-          <p:cNvPr id="11" name="Picture Placeholder 10" descr="A close - up of a person using a computer">
-            <a:extLst>
-              <a:ext uri="{FF2B5EF4-FFF2-40B4-BE49-F238E27FC236}">
-                <a16:creationId xmlns:a16="http://schemas.microsoft.com/office/drawing/2014/main" id="{2090A0CF-D5B6-46F6-9148-3018C1F68218}"/>
-              </a:ext>
-            </a:extLst>
-          </p:cNvPr>
-          <p:cNvPicPr>
-            <a:picLocks noGrp="1" noChangeAspect="1"/>
-          </p:cNvPicPr>
-          <p:nvPr>
-            <p:ph type="pic" sz="quarter" idx="13"/>
-          </p:nvPr>
-        </p:nvPicPr>
-        <p:blipFill rotWithShape="1">
-          <a:blip r:embed="rId3" cstate="screen">
-            <a:extLst>
-              <a:ext uri="{28A0092B-C50C-407E-A947-70E740481C1C}">
-                <a14:useLocalDpi xmlns:a14="http://schemas.microsoft.com/office/drawing/2010/main" val="0"/>
-              </a:ext>
-            </a:extLst>
-          </a:blip>
-          <a:srcRect/>
-          <a:stretch/>
-        </p:blipFill>
-        <p:spPr>
-          <a:xfrm>
-            <a:off x="-1" y="-3"/>
-            <a:ext cx="4613544" cy="2249321"/>
-          </a:xfrm>
-        </p:spPr>
-      </p:pic>
-      <p:pic>
-        <p:nvPicPr>
-          <p:cNvPr id="13" name="Picture Placeholder 12" descr="Digital Graph screen reflection">
-            <a:extLst>
-              <a:ext uri="{FF2B5EF4-FFF2-40B4-BE49-F238E27FC236}">
-                <a16:creationId xmlns:a16="http://schemas.microsoft.com/office/drawing/2014/main" id="{FD008D2D-DCC4-47D7-9308-F53E3DC8BA33}"/>
-              </a:ext>
-            </a:extLst>
-          </p:cNvPr>
-          <p:cNvPicPr>
-            <a:picLocks noGrp="1" noChangeAspect="1"/>
-          </p:cNvPicPr>
-          <p:nvPr>
-            <p:ph type="pic" sz="quarter" idx="14"/>
-          </p:nvPr>
-        </p:nvPicPr>
-        <p:blipFill rotWithShape="1">
-          <a:blip r:embed="rId4" cstate="screen">
-            <a:extLst>
-              <a:ext uri="{28A0092B-C50C-407E-A947-70E740481C1C}">
-                <a14:useLocalDpi xmlns:a14="http://schemas.microsoft.com/office/drawing/2010/main" val="0"/>
-              </a:ext>
-            </a:extLst>
-          </a:blip>
-          <a:srcRect/>
-          <a:stretch/>
-        </p:blipFill>
-        <p:spPr>
-          <a:xfrm>
-            <a:off x="-1" y="2311339"/>
-            <a:ext cx="4613544" cy="2241520"/>
-          </a:xfrm>
-        </p:spPr>
-      </p:pic>
-      <p:pic>
-        <p:nvPicPr>
-          <p:cNvPr id="8" name="Picture Placeholder 7" descr="Conference Room">
-            <a:extLst>
-              <a:ext uri="{FF2B5EF4-FFF2-40B4-BE49-F238E27FC236}">
-                <a16:creationId xmlns:a16="http://schemas.microsoft.com/office/drawing/2014/main" id="{13908DB8-E92A-433D-BC79-CFD872B072D7}"/>
-              </a:ext>
-            </a:extLst>
-          </p:cNvPr>
-          <p:cNvPicPr>
-            <a:picLocks noGrp="1" noChangeAspect="1"/>
-          </p:cNvPicPr>
-          <p:nvPr>
-            <p:ph type="pic" sz="quarter" idx="15"/>
-          </p:nvPr>
-        </p:nvPicPr>
-        <p:blipFill rotWithShape="1">
-          <a:blip r:embed="rId5" cstate="screen">
-            <a:extLst>
-              <a:ext uri="{28A0092B-C50C-407E-A947-70E740481C1C}">
-                <a14:useLocalDpi xmlns:a14="http://schemas.microsoft.com/office/drawing/2010/main" val="0"/>
-              </a:ext>
-            </a:extLst>
-          </a:blip>
-          <a:srcRect/>
-          <a:stretch/>
-        </p:blipFill>
-        <p:spPr>
-          <a:xfrm>
-            <a:off x="-1" y="4613572"/>
-            <a:ext cx="4613544" cy="2241520"/>
-          </a:xfrm>
-        </p:spPr>
-      </p:pic>
-      <p:sp>
-        <p:nvSpPr>
-          <p:cNvPr id="9" name="Content Placeholder 8">
-            <a:extLst>
-              <a:ext uri="{FF2B5EF4-FFF2-40B4-BE49-F238E27FC236}">
-                <a16:creationId xmlns:a16="http://schemas.microsoft.com/office/drawing/2014/main" id="{957A8109-BBBF-407C-81F8-08088ED99698}"/>
+      <p:sp>
+        <p:nvSpPr>
+          <p:cNvPr id="12" name="Content Placeholder 11">
+            <a:extLst>
+              <a:ext uri="{FF2B5EF4-FFF2-40B4-BE49-F238E27FC236}">
+                <a16:creationId xmlns:a16="http://schemas.microsoft.com/office/drawing/2014/main" id="{DA519990-3C01-4761-BF8E-8A8BC2C56B38}"/>
               </a:ext>
             </a:extLst>
           </p:cNvPr>
@@ -19146,13 +18951,46 @@
             <a:spLocks noGrp="1"/>
           </p:cNvSpPr>
           <p:nvPr>
+            <p:ph idx="14"/>
+          </p:nvPr>
+        </p:nvSpPr>
+        <p:spPr>
+          <a:xfrm>
+            <a:off x="648935" y="1834005"/>
+            <a:ext cx="3519028" cy="465155"/>
+          </a:xfrm>
+        </p:spPr>
+        <p:txBody>
+          <a:bodyPr/>
+          <a:lstStyle/>
+          <a:p>
+            <a:r>
+              <a:rPr lang="en-US" dirty="0"/>
+              <a:t>Subtitle</a:t>
+            </a:r>
+          </a:p>
+        </p:txBody>
+      </p:sp>
+      <p:sp>
+        <p:nvSpPr>
+          <p:cNvPr id="11" name="Content Placeholder 10">
+            <a:extLst>
+              <a:ext uri="{FF2B5EF4-FFF2-40B4-BE49-F238E27FC236}">
+                <a16:creationId xmlns:a16="http://schemas.microsoft.com/office/drawing/2014/main" id="{0ED48AB2-7B87-4FA9-90BB-0B88AD92D396}"/>
+              </a:ext>
+            </a:extLst>
+          </p:cNvPr>
+          <p:cNvSpPr>
+            <a:spLocks noGrp="1"/>
+          </p:cNvSpPr>
+          <p:nvPr>
             <p:ph idx="1"/>
           </p:nvPr>
         </p:nvSpPr>
         <p:spPr>
           <a:xfrm>
-            <a:off x="5376671" y="1735745"/>
-            <a:ext cx="6172412" cy="3767496"/>
+            <a:off x="648935" y="2419555"/>
+            <a:ext cx="3519028" cy="3197260"/>
           </a:xfrm>
         </p:spPr>
         <p:txBody>
@@ -19163,17 +19001,29 @@
           <a:p>
             <a:r>
               <a:rPr lang="en-US" dirty="0"/>
-              <a:t>With PowerPoint, you can create presentations and share your work with others, wherever they are. Type the text you want here to get started. You can also add images, art, and videos on this template. Save to OneDrive and access your presentations from your computer, tablet, or phone.</a:t>
+              <a:t>Add text, images, art, and videos. </a:t>
             </a:r>
           </a:p>
-        </p:txBody>
-      </p:sp>
-      <p:sp>
-        <p:nvSpPr>
-          <p:cNvPr id="17" name="Footer Placeholder 16">
-            <a:extLst>
-              <a:ext uri="{FF2B5EF4-FFF2-40B4-BE49-F238E27FC236}">
-                <a16:creationId xmlns:a16="http://schemas.microsoft.com/office/drawing/2014/main" id="{A7A34B0D-1722-4024-BC6E-2A411B0AF724}"/>
+          <a:p>
+            <a:r>
+              <a:rPr lang="en-US" dirty="0"/>
+              <a:t>Add transitions, animations, and motion. </a:t>
+            </a:r>
+          </a:p>
+          <a:p>
+            <a:r>
+              <a:rPr lang="en-US" dirty="0"/>
+              <a:t>Save to OneDrive, to get to your presentations from your computer, tablet, or phone. </a:t>
+            </a:r>
+          </a:p>
+        </p:txBody>
+      </p:sp>
+      <p:sp>
+        <p:nvSpPr>
+          <p:cNvPr id="16" name="Content Placeholder 15">
+            <a:extLst>
+              <a:ext uri="{FF2B5EF4-FFF2-40B4-BE49-F238E27FC236}">
+                <a16:creationId xmlns:a16="http://schemas.microsoft.com/office/drawing/2014/main" id="{98A93BCF-7682-4066-8958-65ED5DD2241C}"/>
               </a:ext>
             </a:extLst>
           </p:cNvPr>
@@ -19181,13 +19031,173 @@
             <a:spLocks noGrp="1"/>
           </p:cNvSpPr>
           <p:nvPr>
+            <p:ph idx="18"/>
+          </p:nvPr>
+        </p:nvSpPr>
+        <p:spPr>
+          <a:xfrm>
+            <a:off x="4336486" y="1828356"/>
+            <a:ext cx="3519028" cy="465155"/>
+          </a:xfrm>
+        </p:spPr>
+        <p:txBody>
+          <a:bodyPr/>
+          <a:lstStyle/>
+          <a:p>
+            <a:r>
+              <a:rPr lang="en-US" dirty="0"/>
+              <a:t>Subtitle</a:t>
+            </a:r>
+          </a:p>
+        </p:txBody>
+      </p:sp>
+      <p:sp>
+        <p:nvSpPr>
+          <p:cNvPr id="15" name="Content Placeholder 14">
+            <a:extLst>
+              <a:ext uri="{FF2B5EF4-FFF2-40B4-BE49-F238E27FC236}">
+                <a16:creationId xmlns:a16="http://schemas.microsoft.com/office/drawing/2014/main" id="{E73F035B-87AE-4E99-A92D-75E5EC280DE7}"/>
+              </a:ext>
+            </a:extLst>
+          </p:cNvPr>
+          <p:cNvSpPr>
+            <a:spLocks noGrp="1"/>
+          </p:cNvSpPr>
+          <p:nvPr>
+            <p:ph idx="17"/>
+          </p:nvPr>
+        </p:nvSpPr>
+        <p:spPr>
+          <a:xfrm>
+            <a:off x="4336486" y="2419555"/>
+            <a:ext cx="3519028" cy="3197260"/>
+          </a:xfrm>
+        </p:spPr>
+        <p:txBody>
+          <a:bodyPr>
+            <a:normAutofit/>
+          </a:bodyPr>
+          <a:lstStyle/>
+          <a:p>
+            <a:r>
+              <a:rPr lang="en-US" dirty="0"/>
+              <a:t>Add text, images, art, and videos. </a:t>
+            </a:r>
+          </a:p>
+          <a:p>
+            <a:r>
+              <a:rPr lang="en-US" dirty="0"/>
+              <a:t>Add transitions, animations, and motion. </a:t>
+            </a:r>
+          </a:p>
+          <a:p>
+            <a:r>
+              <a:rPr lang="en-US" dirty="0"/>
+              <a:t>Save to OneDrive, to get to your presentations from your computer, tablet, or phone. </a:t>
+            </a:r>
+          </a:p>
+        </p:txBody>
+      </p:sp>
+      <p:sp>
+        <p:nvSpPr>
+          <p:cNvPr id="14" name="Content Placeholder 13">
+            <a:extLst>
+              <a:ext uri="{FF2B5EF4-FFF2-40B4-BE49-F238E27FC236}">
+                <a16:creationId xmlns:a16="http://schemas.microsoft.com/office/drawing/2014/main" id="{9E1BABDF-2D81-4200-AB3D-E2AC2AA85192}"/>
+              </a:ext>
+            </a:extLst>
+          </p:cNvPr>
+          <p:cNvSpPr>
+            <a:spLocks noGrp="1"/>
+          </p:cNvSpPr>
+          <p:nvPr>
+            <p:ph idx="16"/>
+          </p:nvPr>
+        </p:nvSpPr>
+        <p:spPr>
+          <a:xfrm>
+            <a:off x="8024037" y="1834005"/>
+            <a:ext cx="3519028" cy="465155"/>
+          </a:xfrm>
+        </p:spPr>
+        <p:txBody>
+          <a:bodyPr/>
+          <a:lstStyle/>
+          <a:p>
+            <a:r>
+              <a:rPr lang="en-US" dirty="0"/>
+              <a:t>Subtitle</a:t>
+            </a:r>
+          </a:p>
+        </p:txBody>
+      </p:sp>
+      <p:sp>
+        <p:nvSpPr>
+          <p:cNvPr id="13" name="Content Placeholder 12">
+            <a:extLst>
+              <a:ext uri="{FF2B5EF4-FFF2-40B4-BE49-F238E27FC236}">
+                <a16:creationId xmlns:a16="http://schemas.microsoft.com/office/drawing/2014/main" id="{502A2BB6-FCA5-49F9-97E9-DFA867C27B54}"/>
+              </a:ext>
+            </a:extLst>
+          </p:cNvPr>
+          <p:cNvSpPr>
+            <a:spLocks noGrp="1"/>
+          </p:cNvSpPr>
+          <p:nvPr>
+            <p:ph idx="15"/>
+          </p:nvPr>
+        </p:nvSpPr>
+        <p:spPr>
+          <a:xfrm>
+            <a:off x="8024037" y="2419555"/>
+            <a:ext cx="3519028" cy="3197260"/>
+          </a:xfrm>
+        </p:spPr>
+        <p:txBody>
+          <a:bodyPr>
+            <a:normAutofit/>
+          </a:bodyPr>
+          <a:lstStyle/>
+          <a:p>
+            <a:r>
+              <a:rPr lang="en-US" dirty="0"/>
+              <a:t>Add text, images, art, and videos. </a:t>
+            </a:r>
+          </a:p>
+          <a:p>
+            <a:r>
+              <a:rPr lang="en-US" dirty="0"/>
+              <a:t>Add transitions, animations, and motion. </a:t>
+            </a:r>
+          </a:p>
+          <a:p>
+            <a:r>
+              <a:rPr lang="en-US" dirty="0"/>
+              <a:t>Save to OneDrive, to get to your presentations from your computer, tablet, or phone. </a:t>
+            </a:r>
+          </a:p>
+        </p:txBody>
+      </p:sp>
+      <p:sp>
+        <p:nvSpPr>
+          <p:cNvPr id="5" name="Footer Placeholder 4">
+            <a:extLst>
+              <a:ext uri="{FF2B5EF4-FFF2-40B4-BE49-F238E27FC236}">
+                <a16:creationId xmlns:a16="http://schemas.microsoft.com/office/drawing/2014/main" id="{60E1A468-4484-47F2-8588-752552EE416C}"/>
+              </a:ext>
+            </a:extLst>
+          </p:cNvPr>
+          <p:cNvSpPr>
+            <a:spLocks noGrp="1"/>
+          </p:cNvSpPr>
+          <p:nvPr>
             <p:ph type="ftr" sz="quarter" idx="11"/>
           </p:nvPr>
         </p:nvSpPr>
         <p:spPr>
           <a:xfrm>
             <a:off x="642917" y="6309360"/>
-            <a:ext cx="3271516" cy="457200"/>
+            <a:ext cx="3423986" cy="457200"/>
           </a:xfrm>
         </p:spPr>
         <p:txBody>
@@ -19203,10 +19213,10 @@
       </p:sp>
       <p:sp>
         <p:nvSpPr>
-          <p:cNvPr id="18" name="Slide Number Placeholder 17">
-            <a:extLst>
-              <a:ext uri="{FF2B5EF4-FFF2-40B4-BE49-F238E27FC236}">
-                <a16:creationId xmlns:a16="http://schemas.microsoft.com/office/drawing/2014/main" id="{75DB2E64-AD14-44FE-948F-FCBEC637E2C1}"/>
+          <p:cNvPr id="6" name="Slide Number Placeholder 5">
+            <a:extLst>
+              <a:ext uri="{FF2B5EF4-FFF2-40B4-BE49-F238E27FC236}">
+                <a16:creationId xmlns:a16="http://schemas.microsoft.com/office/drawing/2014/main" id="{8A75989F-94E4-487A-845C-A4F547DDFE8D}"/>
               </a:ext>
             </a:extLst>
           </p:cNvPr>
@@ -19239,7 +19249,7 @@
     </p:spTree>
     <p:extLst>
       <p:ext uri="{BB962C8B-B14F-4D97-AF65-F5344CB8AC3E}">
-        <p14:creationId xmlns:p14="http://schemas.microsoft.com/office/powerpoint/2010/main" val="1109332271"/>
+        <p14:creationId xmlns:p14="http://schemas.microsoft.com/office/powerpoint/2010/main" val="2810545261"/>
       </p:ext>
     </p:extLst>
   </p:cSld>
@@ -19268,10 +19278,10 @@
       </p:grpSpPr>
       <p:sp>
         <p:nvSpPr>
-          <p:cNvPr id="4" name="Title 3">
-            <a:extLst>
-              <a:ext uri="{FF2B5EF4-FFF2-40B4-BE49-F238E27FC236}">
-                <a16:creationId xmlns:a16="http://schemas.microsoft.com/office/drawing/2014/main" id="{664081DB-1923-4878-AB15-AD54F35A1DC7}"/>
+          <p:cNvPr id="7" name="Title 6">
+            <a:extLst>
+              <a:ext uri="{FF2B5EF4-FFF2-40B4-BE49-F238E27FC236}">
+                <a16:creationId xmlns:a16="http://schemas.microsoft.com/office/drawing/2014/main" id="{5794278F-BBE1-4D62-8038-1FE9C98B6D37}"/>
               </a:ext>
             </a:extLst>
           </p:cNvPr>
@@ -19284,8 +19294,8 @@
         </p:nvSpPr>
         <p:spPr>
           <a:xfrm>
-            <a:off x="1434622" y="1138041"/>
-            <a:ext cx="4862811" cy="2019488"/>
+            <a:off x="5376668" y="537381"/>
+            <a:ext cx="6172412" cy="1031927"/>
           </a:xfrm>
         </p:spPr>
         <p:txBody>
@@ -19294,17 +19304,17 @@
           <a:p>
             <a:r>
               <a:rPr lang="en-US" dirty="0"/>
-              <a:t>THANK YOU</a:t>
+              <a:t>Summary</a:t>
             </a:r>
           </a:p>
         </p:txBody>
       </p:sp>
       <p:pic>
         <p:nvPicPr>
-          <p:cNvPr id="32" name="Picture Placeholder 31" descr="Two people working on a laptop and tablet with graphs and tables ">
-            <a:extLst>
-              <a:ext uri="{FF2B5EF4-FFF2-40B4-BE49-F238E27FC236}">
-                <a16:creationId xmlns:a16="http://schemas.microsoft.com/office/drawing/2014/main" id="{C4A8B214-180D-446B-9616-62B7371F3DDA}"/>
+          <p:cNvPr id="11" name="Picture Placeholder 10" descr="A close - up of a person using a computer">
+            <a:extLst>
+              <a:ext uri="{FF2B5EF4-FFF2-40B4-BE49-F238E27FC236}">
+                <a16:creationId xmlns:a16="http://schemas.microsoft.com/office/drawing/2014/main" id="{2090A0CF-D5B6-46F6-9148-3018C1F68218}"/>
               </a:ext>
             </a:extLst>
           </p:cNvPr>
@@ -19312,7 +19322,7 @@
             <a:picLocks noGrp="1" noChangeAspect="1"/>
           </p:cNvPicPr>
           <p:nvPr>
-            <p:ph type="pic" sz="quarter" idx="14"/>
+            <p:ph type="pic" sz="quarter" idx="13"/>
           </p:nvPr>
         </p:nvPicPr>
         <p:blipFill rotWithShape="1">
@@ -19328,17 +19338,17 @@
         </p:blipFill>
         <p:spPr>
           <a:xfrm>
-            <a:off x="6858023" y="4941"/>
-            <a:ext cx="5333977" cy="3392053"/>
+            <a:off x="-1" y="-3"/>
+            <a:ext cx="4613544" cy="2249321"/>
           </a:xfrm>
         </p:spPr>
       </p:pic>
       <p:pic>
         <p:nvPicPr>
-          <p:cNvPr id="30" name="Picture Placeholder 29" descr="Office Stairs, hanging lights">
-            <a:extLst>
-              <a:ext uri="{FF2B5EF4-FFF2-40B4-BE49-F238E27FC236}">
-                <a16:creationId xmlns:a16="http://schemas.microsoft.com/office/drawing/2014/main" id="{C1CA27C7-F47D-4606-AAE8-32BD4D06983A}"/>
+          <p:cNvPr id="13" name="Picture Placeholder 12" descr="Digital Graph screen reflection">
+            <a:extLst>
+              <a:ext uri="{FF2B5EF4-FFF2-40B4-BE49-F238E27FC236}">
+                <a16:creationId xmlns:a16="http://schemas.microsoft.com/office/drawing/2014/main" id="{FD008D2D-DCC4-47D7-9308-F53E3DC8BA33}"/>
               </a:ext>
             </a:extLst>
           </p:cNvPr>
@@ -19346,7 +19356,7 @@
             <a:picLocks noGrp="1" noChangeAspect="1"/>
           </p:cNvPicPr>
           <p:nvPr>
-            <p:ph type="pic" sz="quarter" idx="13"/>
+            <p:ph type="pic" sz="quarter" idx="14"/>
           </p:nvPr>
         </p:nvPicPr>
         <p:blipFill rotWithShape="1">
@@ -19362,17 +19372,51 @@
         </p:blipFill>
         <p:spPr>
           <a:xfrm>
-            <a:off x="1067712" y="3461002"/>
-            <a:ext cx="5728215" cy="3396997"/>
+            <a:off x="-1" y="2311339"/>
+            <a:ext cx="4613544" cy="2241520"/>
           </a:xfrm>
         </p:spPr>
       </p:pic>
-      <p:sp>
-        <p:nvSpPr>
-          <p:cNvPr id="5" name="Content Placeholder 4">
-            <a:extLst>
-              <a:ext uri="{FF2B5EF4-FFF2-40B4-BE49-F238E27FC236}">
-                <a16:creationId xmlns:a16="http://schemas.microsoft.com/office/drawing/2014/main" id="{5755816F-F516-477A-8EF2-D8CA20267590}"/>
+      <p:pic>
+        <p:nvPicPr>
+          <p:cNvPr id="8" name="Picture Placeholder 7" descr="Conference Room">
+            <a:extLst>
+              <a:ext uri="{FF2B5EF4-FFF2-40B4-BE49-F238E27FC236}">
+                <a16:creationId xmlns:a16="http://schemas.microsoft.com/office/drawing/2014/main" id="{13908DB8-E92A-433D-BC79-CFD872B072D7}"/>
+              </a:ext>
+            </a:extLst>
+          </p:cNvPr>
+          <p:cNvPicPr>
+            <a:picLocks noGrp="1" noChangeAspect="1"/>
+          </p:cNvPicPr>
+          <p:nvPr>
+            <p:ph type="pic" sz="quarter" idx="15"/>
+          </p:nvPr>
+        </p:nvPicPr>
+        <p:blipFill rotWithShape="1">
+          <a:blip r:embed="rId5" cstate="screen">
+            <a:extLst>
+              <a:ext uri="{28A0092B-C50C-407E-A947-70E740481C1C}">
+                <a14:useLocalDpi xmlns:a14="http://schemas.microsoft.com/office/drawing/2010/main" val="0"/>
+              </a:ext>
+            </a:extLst>
+          </a:blip>
+          <a:srcRect/>
+          <a:stretch/>
+        </p:blipFill>
+        <p:spPr>
+          <a:xfrm>
+            <a:off x="-1" y="4613572"/>
+            <a:ext cx="4613544" cy="2241520"/>
+          </a:xfrm>
+        </p:spPr>
+      </p:pic>
+      <p:sp>
+        <p:nvSpPr>
+          <p:cNvPr id="9" name="Content Placeholder 8">
+            <a:extLst>
+              <a:ext uri="{FF2B5EF4-FFF2-40B4-BE49-F238E27FC236}">
+                <a16:creationId xmlns:a16="http://schemas.microsoft.com/office/drawing/2014/main" id="{957A8109-BBBF-407C-81F8-08088ED99698}"/>
               </a:ext>
             </a:extLst>
           </p:cNvPr>
@@ -19385,8 +19429,8 @@
         </p:nvSpPr>
         <p:spPr>
           <a:xfrm>
-            <a:off x="7386762" y="3928342"/>
-            <a:ext cx="4162319" cy="2285000"/>
+            <a:off x="5376671" y="1735745"/>
+            <a:ext cx="6172412" cy="3767496"/>
           </a:xfrm>
         </p:spPr>
         <p:txBody>
@@ -19397,29 +19441,17 @@
           <a:p>
             <a:r>
               <a:rPr lang="en-US" dirty="0"/>
-              <a:t>Presenter Name</a:t>
+              <a:t>With PowerPoint, you can create presentations and share your work with others, wherever they are. Type the text you want here to get started. You can also add images, art, and videos on this template. Save to OneDrive and access your presentations from your computer, tablet, or phone.</a:t>
             </a:r>
           </a:p>
-          <a:p>
-            <a:r>
-              <a:rPr lang="en-US" dirty="0"/>
-              <a:t>Email</a:t>
-            </a:r>
-          </a:p>
-          <a:p>
-            <a:r>
-              <a:rPr lang="en-US" dirty="0"/>
-              <a:t>Website</a:t>
-            </a:r>
-          </a:p>
-        </p:txBody>
-      </p:sp>
-      <p:sp>
-        <p:nvSpPr>
-          <p:cNvPr id="34" name="Footer Placeholder 33">
-            <a:extLst>
-              <a:ext uri="{FF2B5EF4-FFF2-40B4-BE49-F238E27FC236}">
-                <a16:creationId xmlns:a16="http://schemas.microsoft.com/office/drawing/2014/main" id="{263FD36A-B869-46D7-A4E1-FAA91F31D1C3}"/>
+        </p:txBody>
+      </p:sp>
+      <p:sp>
+        <p:nvSpPr>
+          <p:cNvPr id="17" name="Footer Placeholder 16">
+            <a:extLst>
+              <a:ext uri="{FF2B5EF4-FFF2-40B4-BE49-F238E27FC236}">
+                <a16:creationId xmlns:a16="http://schemas.microsoft.com/office/drawing/2014/main" id="{A7A34B0D-1722-4024-BC6E-2A411B0AF724}"/>
               </a:ext>
             </a:extLst>
           </p:cNvPr>
@@ -19432,8 +19464,8 @@
         </p:nvSpPr>
         <p:spPr>
           <a:xfrm>
-            <a:off x="1525917" y="6309360"/>
-            <a:ext cx="4946592" cy="457200"/>
+            <a:off x="642917" y="6309360"/>
+            <a:ext cx="3271516" cy="457200"/>
           </a:xfrm>
         </p:spPr>
         <p:txBody>
@@ -19449,10 +19481,10 @@
       </p:sp>
       <p:sp>
         <p:nvSpPr>
-          <p:cNvPr id="35" name="Slide Number Placeholder 34">
-            <a:extLst>
-              <a:ext uri="{FF2B5EF4-FFF2-40B4-BE49-F238E27FC236}">
-                <a16:creationId xmlns:a16="http://schemas.microsoft.com/office/drawing/2014/main" id="{6F05ADB0-C4C0-4EB9-ACD6-D5D69C07C06E}"/>
+          <p:cNvPr id="18" name="Slide Number Placeholder 17">
+            <a:extLst>
+              <a:ext uri="{FF2B5EF4-FFF2-40B4-BE49-F238E27FC236}">
+                <a16:creationId xmlns:a16="http://schemas.microsoft.com/office/drawing/2014/main" id="{75DB2E64-AD14-44FE-948F-FCBEC637E2C1}"/>
               </a:ext>
             </a:extLst>
           </p:cNvPr>
@@ -19485,7 +19517,7 @@
     </p:spTree>
     <p:extLst>
       <p:ext uri="{BB962C8B-B14F-4D97-AF65-F5344CB8AC3E}">
-        <p14:creationId xmlns:p14="http://schemas.microsoft.com/office/powerpoint/2010/main" val="798203993"/>
+        <p14:creationId xmlns:p14="http://schemas.microsoft.com/office/powerpoint/2010/main" val="1109332271"/>
       </p:ext>
     </p:extLst>
   </p:cSld>
@@ -19721,6 +19753,252 @@
 </p:sld>
 </file>
 
+<file path=ppt/slides/slide20.xml><?xml version="1.0" encoding="utf-8"?>
+<p:sld xmlns:a="http://schemas.openxmlformats.org/drawingml/2006/main" xmlns:r="http://schemas.openxmlformats.org/officeDocument/2006/relationships" xmlns:p="http://schemas.openxmlformats.org/presentationml/2006/main">
+  <p:cSld>
+    <p:spTree>
+      <p:nvGrpSpPr>
+        <p:cNvPr id="1" name=""/>
+        <p:cNvGrpSpPr/>
+        <p:nvPr/>
+      </p:nvGrpSpPr>
+      <p:grpSpPr>
+        <a:xfrm>
+          <a:off x="0" y="0"/>
+          <a:ext cx="0" cy="0"/>
+          <a:chOff x="0" y="0"/>
+          <a:chExt cx="0" cy="0"/>
+        </a:xfrm>
+      </p:grpSpPr>
+      <p:sp>
+        <p:nvSpPr>
+          <p:cNvPr id="4" name="Title 3">
+            <a:extLst>
+              <a:ext uri="{FF2B5EF4-FFF2-40B4-BE49-F238E27FC236}">
+                <a16:creationId xmlns:a16="http://schemas.microsoft.com/office/drawing/2014/main" id="{664081DB-1923-4878-AB15-AD54F35A1DC7}"/>
+              </a:ext>
+            </a:extLst>
+          </p:cNvPr>
+          <p:cNvSpPr>
+            <a:spLocks noGrp="1"/>
+          </p:cNvSpPr>
+          <p:nvPr>
+            <p:ph type="title"/>
+          </p:nvPr>
+        </p:nvSpPr>
+        <p:spPr>
+          <a:xfrm>
+            <a:off x="1434622" y="1138041"/>
+            <a:ext cx="4862811" cy="2019488"/>
+          </a:xfrm>
+        </p:spPr>
+        <p:txBody>
+          <a:bodyPr/>
+          <a:lstStyle/>
+          <a:p>
+            <a:r>
+              <a:rPr lang="en-US" dirty="0"/>
+              <a:t>THANK YOU</a:t>
+            </a:r>
+          </a:p>
+        </p:txBody>
+      </p:sp>
+      <p:pic>
+        <p:nvPicPr>
+          <p:cNvPr id="32" name="Picture Placeholder 31" descr="Two people working on a laptop and tablet with graphs and tables ">
+            <a:extLst>
+              <a:ext uri="{FF2B5EF4-FFF2-40B4-BE49-F238E27FC236}">
+                <a16:creationId xmlns:a16="http://schemas.microsoft.com/office/drawing/2014/main" id="{C4A8B214-180D-446B-9616-62B7371F3DDA}"/>
+              </a:ext>
+            </a:extLst>
+          </p:cNvPr>
+          <p:cNvPicPr>
+            <a:picLocks noGrp="1" noChangeAspect="1"/>
+          </p:cNvPicPr>
+          <p:nvPr>
+            <p:ph type="pic" sz="quarter" idx="14"/>
+          </p:nvPr>
+        </p:nvPicPr>
+        <p:blipFill rotWithShape="1">
+          <a:blip r:embed="rId3" cstate="screen">
+            <a:extLst>
+              <a:ext uri="{28A0092B-C50C-407E-A947-70E740481C1C}">
+                <a14:useLocalDpi xmlns:a14="http://schemas.microsoft.com/office/drawing/2010/main" val="0"/>
+              </a:ext>
+            </a:extLst>
+          </a:blip>
+          <a:srcRect/>
+          <a:stretch/>
+        </p:blipFill>
+        <p:spPr>
+          <a:xfrm>
+            <a:off x="6858023" y="4941"/>
+            <a:ext cx="5333977" cy="3392053"/>
+          </a:xfrm>
+        </p:spPr>
+      </p:pic>
+      <p:pic>
+        <p:nvPicPr>
+          <p:cNvPr id="30" name="Picture Placeholder 29" descr="Office Stairs, hanging lights">
+            <a:extLst>
+              <a:ext uri="{FF2B5EF4-FFF2-40B4-BE49-F238E27FC236}">
+                <a16:creationId xmlns:a16="http://schemas.microsoft.com/office/drawing/2014/main" id="{C1CA27C7-F47D-4606-AAE8-32BD4D06983A}"/>
+              </a:ext>
+            </a:extLst>
+          </p:cNvPr>
+          <p:cNvPicPr>
+            <a:picLocks noGrp="1" noChangeAspect="1"/>
+          </p:cNvPicPr>
+          <p:nvPr>
+            <p:ph type="pic" sz="quarter" idx="13"/>
+          </p:nvPr>
+        </p:nvPicPr>
+        <p:blipFill rotWithShape="1">
+          <a:blip r:embed="rId4" cstate="screen">
+            <a:extLst>
+              <a:ext uri="{28A0092B-C50C-407E-A947-70E740481C1C}">
+                <a14:useLocalDpi xmlns:a14="http://schemas.microsoft.com/office/drawing/2010/main" val="0"/>
+              </a:ext>
+            </a:extLst>
+          </a:blip>
+          <a:srcRect/>
+          <a:stretch/>
+        </p:blipFill>
+        <p:spPr>
+          <a:xfrm>
+            <a:off x="1067712" y="3461002"/>
+            <a:ext cx="5728215" cy="3396997"/>
+          </a:xfrm>
+        </p:spPr>
+      </p:pic>
+      <p:sp>
+        <p:nvSpPr>
+          <p:cNvPr id="5" name="Content Placeholder 4">
+            <a:extLst>
+              <a:ext uri="{FF2B5EF4-FFF2-40B4-BE49-F238E27FC236}">
+                <a16:creationId xmlns:a16="http://schemas.microsoft.com/office/drawing/2014/main" id="{5755816F-F516-477A-8EF2-D8CA20267590}"/>
+              </a:ext>
+            </a:extLst>
+          </p:cNvPr>
+          <p:cNvSpPr>
+            <a:spLocks noGrp="1"/>
+          </p:cNvSpPr>
+          <p:nvPr>
+            <p:ph idx="1"/>
+          </p:nvPr>
+        </p:nvSpPr>
+        <p:spPr>
+          <a:xfrm>
+            <a:off x="7386762" y="3928342"/>
+            <a:ext cx="4162319" cy="2285000"/>
+          </a:xfrm>
+        </p:spPr>
+        <p:txBody>
+          <a:bodyPr>
+            <a:normAutofit/>
+          </a:bodyPr>
+          <a:lstStyle/>
+          <a:p>
+            <a:r>
+              <a:rPr lang="en-US" dirty="0"/>
+              <a:t>Presenter Name</a:t>
+            </a:r>
+          </a:p>
+          <a:p>
+            <a:r>
+              <a:rPr lang="en-US" dirty="0"/>
+              <a:t>Email</a:t>
+            </a:r>
+          </a:p>
+          <a:p>
+            <a:r>
+              <a:rPr lang="en-US" dirty="0"/>
+              <a:t>Website</a:t>
+            </a:r>
+          </a:p>
+        </p:txBody>
+      </p:sp>
+      <p:sp>
+        <p:nvSpPr>
+          <p:cNvPr id="34" name="Footer Placeholder 33">
+            <a:extLst>
+              <a:ext uri="{FF2B5EF4-FFF2-40B4-BE49-F238E27FC236}">
+                <a16:creationId xmlns:a16="http://schemas.microsoft.com/office/drawing/2014/main" id="{263FD36A-B869-46D7-A4E1-FAA91F31D1C3}"/>
+              </a:ext>
+            </a:extLst>
+          </p:cNvPr>
+          <p:cNvSpPr>
+            <a:spLocks noGrp="1"/>
+          </p:cNvSpPr>
+          <p:nvPr>
+            <p:ph type="ftr" sz="quarter" idx="11"/>
+          </p:nvPr>
+        </p:nvSpPr>
+        <p:spPr>
+          <a:xfrm>
+            <a:off x="1525917" y="6309360"/>
+            <a:ext cx="4946592" cy="457200"/>
+          </a:xfrm>
+        </p:spPr>
+        <p:txBody>
+          <a:bodyPr/>
+          <a:lstStyle/>
+          <a:p>
+            <a:r>
+              <a:rPr lang="en-US" dirty="0"/>
+              <a:t>Presentation Title</a:t>
+            </a:r>
+          </a:p>
+        </p:txBody>
+      </p:sp>
+      <p:sp>
+        <p:nvSpPr>
+          <p:cNvPr id="35" name="Slide Number Placeholder 34">
+            <a:extLst>
+              <a:ext uri="{FF2B5EF4-FFF2-40B4-BE49-F238E27FC236}">
+                <a16:creationId xmlns:a16="http://schemas.microsoft.com/office/drawing/2014/main" id="{6F05ADB0-C4C0-4EB9-ACD6-D5D69C07C06E}"/>
+              </a:ext>
+            </a:extLst>
+          </p:cNvPr>
+          <p:cNvSpPr>
+            <a:spLocks noGrp="1"/>
+          </p:cNvSpPr>
+          <p:nvPr>
+            <p:ph type="sldNum" sz="quarter" idx="12"/>
+          </p:nvPr>
+        </p:nvSpPr>
+        <p:spPr>
+          <a:xfrm>
+            <a:off x="10569202" y="6309360"/>
+            <a:ext cx="979879" cy="457200"/>
+          </a:xfrm>
+        </p:spPr>
+        <p:txBody>
+          <a:bodyPr/>
+          <a:lstStyle/>
+          <a:p>
+            <a:fld id="{FAEF9944-A4F6-4C59-AEBD-678D6480B8EA}" type="slidenum">
+              <a:rPr lang="en-US" smtClean="0"/>
+              <a:pPr/>
+              <a:t>20</a:t>
+            </a:fld>
+            <a:endParaRPr lang="en-US" dirty="0"/>
+          </a:p>
+        </p:txBody>
+      </p:sp>
+    </p:spTree>
+    <p:extLst>
+      <p:ext uri="{BB962C8B-B14F-4D97-AF65-F5344CB8AC3E}">
+        <p14:creationId xmlns:p14="http://schemas.microsoft.com/office/powerpoint/2010/main" val="798203993"/>
+      </p:ext>
+    </p:extLst>
+  </p:cSld>
+  <p:clrMapOvr>
+    <a:masterClrMapping/>
+  </p:clrMapOvr>
+</p:sld>
+</file>
+
 <file path=ppt/slides/slide3.xml><?xml version="1.0" encoding="utf-8"?>
 <p:sld xmlns:a="http://schemas.openxmlformats.org/drawingml/2006/main" xmlns:r="http://schemas.openxmlformats.org/officeDocument/2006/relationships" xmlns:p="http://schemas.openxmlformats.org/presentationml/2006/main">
   <p:cSld>
@@ -19867,19 +20145,14 @@
           <a:p>
             <a:r>
               <a:rPr lang="en-US" dirty="0"/>
-              <a:t>The Consumer Product Safety Commission operations a surveillance system (NEISS) to track injury data related to consumer products. The data is collected from a representative sample of emergency rooms in the United Status. </a:t>
+              <a:t>The Consumer Product Safety Commission maintains a surveillance system (NEISS) to track injury data related to consumer products. The data is collected from a representative sample of emergency rooms in the United States, covering more than 45 years.</a:t>
             </a:r>
           </a:p>
           <a:p>
             <a:r>
               <a:rPr lang="en-US" dirty="0"/>
-              <a:t>This project will examine the data from 2013 through 2022 to explore trends in product injuries resulting in </a:t>
+              <a:t>This project will examine the data from 2013 through 2022 to explore trends in product injuries resulting in emergency room visits.</a:t>
             </a:r>
-            <a:r>
-              <a:rPr lang="en-US"/>
-              <a:t>emergency room visits.</a:t>
-            </a:r>
-            <a:endParaRPr lang="en-US" dirty="0"/>
           </a:p>
         </p:txBody>
       </p:sp>
@@ -20061,7 +20334,7 @@
           <a:p>
             <a:fld id="{DDA8E063-DAA4-4787-8AA1-15BBB2D38CED}" type="datetime1">
               <a:rPr lang="en-US" smtClean="0"/>
-              <a:t>1/22/2024</a:t>
+              <a:t>1/28/2024</a:t>
             </a:fld>
             <a:endParaRPr lang="en-US" dirty="0"/>
           </a:p>
@@ -20136,13 +20409,8 @@
             </a:pPr>
             <a:r>
               <a:rPr lang="en-US" dirty="0"/>
-              <a:t>Number of  </a:t>
+              <a:t>Number of products tracked</a:t>
             </a:r>
-            <a:r>
-              <a:rPr lang="en-US"/>
-              <a:t>products tracked</a:t>
-            </a:r>
-            <a:endParaRPr lang="en-US" dirty="0"/>
           </a:p>
           <a:p>
             <a:pPr marL="285750" indent="-285750">
@@ -20191,7 +20459,7 @@
             </a:pPr>
             <a:r>
               <a:rPr lang="en-US" dirty="0"/>
-              <a:t>Alcohol and/or drug involvement</a:t>
+              <a:t>Location</a:t>
             </a:r>
           </a:p>
           <a:p>
@@ -20336,7 +20604,7 @@
           <a:p>
             <a:fld id="{DDA8E063-DAA4-4787-8AA1-15BBB2D38CED}" type="datetime1">
               <a:rPr lang="en-US" smtClean="0"/>
-              <a:t>1/22/2024</a:t>
+              <a:t>1/28/2024</a:t>
             </a:fld>
             <a:endParaRPr lang="en-US" dirty="0"/>
           </a:p>
@@ -20695,7 +20963,7 @@
           <a:p>
             <a:fld id="{DDA8E063-DAA4-4787-8AA1-15BBB2D38CED}" type="datetime1">
               <a:rPr lang="en-US" smtClean="0"/>
-              <a:t>1/22/2024</a:t>
+              <a:t>1/28/2024</a:t>
             </a:fld>
             <a:endParaRPr lang="en-US" dirty="0"/>
           </a:p>
@@ -20878,7 +21146,7 @@
           <a:p>
             <a:fld id="{DDA8E063-DAA4-4787-8AA1-15BBB2D38CED}" type="datetime1">
               <a:rPr lang="en-US" smtClean="0"/>
-              <a:t>1/22/2024</a:t>
+              <a:t>1/28/2024</a:t>
             </a:fld>
             <a:endParaRPr lang="en-US" dirty="0"/>
           </a:p>
@@ -21061,7 +21329,7 @@
           <a:p>
             <a:fld id="{DDA8E063-DAA4-4787-8AA1-15BBB2D38CED}" type="datetime1">
               <a:rPr lang="en-US" smtClean="0"/>
-              <a:t>1/22/2024</a:t>
+              <a:t>1/28/2024</a:t>
             </a:fld>
             <a:endParaRPr lang="en-US" dirty="0"/>
           </a:p>
@@ -22267,15 +22535,6 @@
 </file>
 
 <file path=customXml/item2.xml><?xml version="1.0" encoding="utf-8"?>
-<?mso-contentType ?>
-<FormTemplates xmlns="http://schemas.microsoft.com/sharepoint/v3/contenttype/forms">
-  <Display>DocumentLibraryForm</Display>
-  <Edit>DocumentLibraryForm</Edit>
-  <New>DocumentLibraryForm</New>
-</FormTemplates>
-</file>
-
-<file path=customXml/item3.xml><?xml version="1.0" encoding="utf-8"?>
 <p:properties xmlns:p="http://schemas.microsoft.com/office/2006/metadata/properties" xmlns:xsi="http://www.w3.org/2001/XMLSchema-instance" xmlns:pc="http://schemas.microsoft.com/office/infopath/2007/PartnerControls">
   <documentManagement>
     <Status xmlns="71af3243-3dd4-4a8d-8c0d-dd76da1f02a5">Not started</Status>
@@ -22293,6 +22552,15 @@
     </ImageTagsTaxHTField>
   </documentManagement>
 </p:properties>
+</file>
+
+<file path=customXml/item3.xml><?xml version="1.0" encoding="utf-8"?>
+<?mso-contentType ?>
+<FormTemplates xmlns="http://schemas.microsoft.com/sharepoint/v3/contenttype/forms">
+  <Display>DocumentLibraryForm</Display>
+  <Edit>DocumentLibraryForm</Edit>
+  <New>DocumentLibraryForm</New>
+</FormTemplates>
 </file>
 
 <file path=customXml/itemProps1.xml><?xml version="1.0" encoding="utf-8"?>
@@ -22317,14 +22585,6 @@
 </file>
 
 <file path=customXml/itemProps2.xml><?xml version="1.0" encoding="utf-8"?>
-<ds:datastoreItem xmlns:ds="http://schemas.openxmlformats.org/officeDocument/2006/customXml" ds:itemID="{C093A0A0-A69C-47FE-9FE5-21F06181BF4F}">
-  <ds:schemaRefs>
-    <ds:schemaRef ds:uri="http://schemas.microsoft.com/sharepoint/v3/contenttype/forms"/>
-  </ds:schemaRefs>
-</ds:datastoreItem>
-</file>
-
-<file path=customXml/itemProps3.xml><?xml version="1.0" encoding="utf-8"?>
 <ds:datastoreItem xmlns:ds="http://schemas.openxmlformats.org/officeDocument/2006/customXml" ds:itemID="{D6B374A7-2E79-4FEF-822D-2492B9AD907B}">
   <ds:schemaRefs>
     <ds:schemaRef ds:uri="http://schemas.microsoft.com/office/2006/metadata/properties"/>
@@ -22336,6 +22596,14 @@
 </ds:datastoreItem>
 </file>
 
+<file path=customXml/itemProps3.xml><?xml version="1.0" encoding="utf-8"?>
+<ds:datastoreItem xmlns:ds="http://schemas.openxmlformats.org/officeDocument/2006/customXml" ds:itemID="{C093A0A0-A69C-47FE-9FE5-21F06181BF4F}">
+  <ds:schemaRefs>
+    <ds:schemaRef ds:uri="http://schemas.microsoft.com/sharepoint/v3/contenttype/forms"/>
+  </ds:schemaRefs>
+</ds:datastoreItem>
+</file>
+
 <file path=docMetadata/LabelInfo.xml><?xml version="1.0" encoding="utf-8"?>
 <clbl:labelList xmlns:clbl="http://schemas.microsoft.com/office/2020/mipLabelMetadata"/>
 </file>
--- a/docs/Product Injuries.pptx
+++ b/docs/Product Injuries.pptx
@@ -141,7 +141,7 @@
 <file path=ppt/revisionInfo.xml><?xml version="1.0" encoding="utf-8"?>
 <p1510:revInfo xmlns:a="http://schemas.openxmlformats.org/drawingml/2006/main" xmlns:r="http://schemas.openxmlformats.org/officeDocument/2006/relationships" xmlns:p1510="http://schemas.microsoft.com/office/powerpoint/2015/10/main">
   <p1510:revLst>
-    <p1510:client id="{2C0686C3-ACD8-4393-BE92-A40A75016DFC}" v="2289" dt="2024-02-02T00:07:46.319"/>
+    <p1510:client id="{2C0686C3-ACD8-4393-BE92-A40A75016DFC}" v="2333" dt="2024-02-06T19:26:23.933"/>
   </p1510:revLst>
 </p1510:revInfo>
 </file>
@@ -151,7 +151,7 @@
   <pc:docChgLst>
     <pc:chgData name="Tami McManus" userId="4a41d8b392a254fb" providerId="LiveId" clId="{2C0686C3-ACD8-4393-BE92-A40A75016DFC}"/>
     <pc:docChg chg="undo custSel addSld delSld modSld sldOrd addSection delSection modSection">
-      <pc:chgData name="Tami McManus" userId="4a41d8b392a254fb" providerId="LiveId" clId="{2C0686C3-ACD8-4393-BE92-A40A75016DFC}" dt="2024-02-05T22:05:05.062" v="9080" actId="20577"/>
+      <pc:chgData name="Tami McManus" userId="4a41d8b392a254fb" providerId="LiveId" clId="{2C0686C3-ACD8-4393-BE92-A40A75016DFC}" dt="2024-02-06T19:31:23.760" v="9297" actId="20577"/>
       <pc:docMkLst>
         <pc:docMk/>
       </pc:docMkLst>
@@ -540,7 +540,7 @@
         </pc:spChg>
       </pc:sldChg>
       <pc:sldChg chg="modSp add mod">
-        <pc:chgData name="Tami McManus" userId="4a41d8b392a254fb" providerId="LiveId" clId="{2C0686C3-ACD8-4393-BE92-A40A75016DFC}" dt="2024-02-05T22:05:05.062" v="9080" actId="20577"/>
+        <pc:chgData name="Tami McManus" userId="4a41d8b392a254fb" providerId="LiveId" clId="{2C0686C3-ACD8-4393-BE92-A40A75016DFC}" dt="2024-02-06T19:31:23.760" v="9297" actId="20577"/>
         <pc:sldMkLst>
           <pc:docMk/>
           <pc:sldMk cId="3105118036" sldId="313"/>
@@ -562,7 +562,7 @@
           </ac:spMkLst>
         </pc:spChg>
         <pc:spChg chg="mod">
-          <ac:chgData name="Tami McManus" userId="4a41d8b392a254fb" providerId="LiveId" clId="{2C0686C3-ACD8-4393-BE92-A40A75016DFC}" dt="2024-02-05T22:05:05.062" v="9080" actId="20577"/>
+          <ac:chgData name="Tami McManus" userId="4a41d8b392a254fb" providerId="LiveId" clId="{2C0686C3-ACD8-4393-BE92-A40A75016DFC}" dt="2024-02-06T19:31:23.760" v="9297" actId="20577"/>
           <ac:spMkLst>
             <pc:docMk/>
             <pc:sldMk cId="3105118036" sldId="313"/>
@@ -602,7 +602,7 @@
         </pc:spChg>
       </pc:sldChg>
       <pc:sldChg chg="addSp delSp modSp add mod">
-        <pc:chgData name="Tami McManus" userId="4a41d8b392a254fb" providerId="LiveId" clId="{2C0686C3-ACD8-4393-BE92-A40A75016DFC}" dt="2024-02-02T00:07:56.005" v="9055" actId="1076"/>
+        <pc:chgData name="Tami McManus" userId="4a41d8b392a254fb" providerId="LiveId" clId="{2C0686C3-ACD8-4393-BE92-A40A75016DFC}" dt="2024-02-06T19:26:27.405" v="9234" actId="1076"/>
         <pc:sldMkLst>
           <pc:docMk/>
           <pc:sldMk cId="4202732910" sldId="315"/>
@@ -629,6 +629,14 @@
             <pc:docMk/>
             <pc:sldMk cId="4202732910" sldId="315"/>
             <ac:spMk id="7" creationId="{5FA1D81E-F29A-6948-AFB0-802230DA45E7}"/>
+          </ac:spMkLst>
+        </pc:spChg>
+        <pc:spChg chg="add mod">
+          <ac:chgData name="Tami McManus" userId="4a41d8b392a254fb" providerId="LiveId" clId="{2C0686C3-ACD8-4393-BE92-A40A75016DFC}" dt="2024-02-06T19:26:27.405" v="9234" actId="1076"/>
+          <ac:spMkLst>
+            <pc:docMk/>
+            <pc:sldMk cId="4202732910" sldId="315"/>
+            <ac:spMk id="7" creationId="{7737964F-C004-CA4A-2689-C367398D8397}"/>
           </ac:spMkLst>
         </pc:spChg>
         <pc:spChg chg="add mod">
@@ -744,7 +752,7 @@
           </ac:spMkLst>
         </pc:spChg>
         <pc:graphicFrameChg chg="add mod modGraphic">
-          <ac:chgData name="Tami McManus" userId="4a41d8b392a254fb" providerId="LiveId" clId="{2C0686C3-ACD8-4393-BE92-A40A75016DFC}" dt="2024-02-02T00:06:48.674" v="9049" actId="20577"/>
+          <ac:chgData name="Tami McManus" userId="4a41d8b392a254fb" providerId="LiveId" clId="{2C0686C3-ACD8-4393-BE92-A40A75016DFC}" dt="2024-02-06T19:26:19.120" v="9232" actId="20577"/>
           <ac:graphicFrameMkLst>
             <pc:docMk/>
             <pc:sldMk cId="4202732910" sldId="315"/>
@@ -2067,7 +2075,7 @@
         <a:p>
           <a:r>
             <a:rPr lang="en-US" sz="1200" dirty="0"/>
-            <a:t>Duplicates</a:t>
+            <a:t>Missing data</a:t>
           </a:r>
         </a:p>
       </dgm:t>
@@ -2103,7 +2111,7 @@
         <a:p>
           <a:r>
             <a:rPr lang="en-US" sz="1200" dirty="0"/>
-            <a:t>Missing data</a:t>
+            <a:t>Duplicates</a:t>
           </a:r>
         </a:p>
       </dgm:t>
@@ -3790,7 +3798,7 @@
           </a:pPr>
           <a:r>
             <a:rPr lang="en-US" sz="1200" kern="1200" dirty="0"/>
-            <a:t>Missing data</a:t>
+            <a:t>Duplicates</a:t>
           </a:r>
         </a:p>
         <a:p>
@@ -3808,7 +3816,7 @@
           </a:pPr>
           <a:r>
             <a:rPr lang="en-US" sz="1200" kern="1200" dirty="0"/>
-            <a:t>Duplicates</a:t>
+            <a:t>Missing data</a:t>
           </a:r>
         </a:p>
         <a:p>
@@ -5901,7 +5909,7 @@
           <a:p>
             <a:fld id="{367A1AC4-3AE8-4F87-AAED-904EC6054702}" type="datetimeFigureOut">
               <a:rPr lang="en-US" smtClean="0"/>
-              <a:t>2/5/2024</a:t>
+              <a:t>2/6/2024</a:t>
             </a:fld>
             <a:endParaRPr lang="en-US" dirty="0"/>
           </a:p>
@@ -6078,7 +6086,7 @@
           <a:p>
             <a:fld id="{C5556653-6123-4FE4-861F-5F9583BF59B0}" type="datetimeFigureOut">
               <a:rPr lang="en-US" smtClean="0"/>
-              <a:t>2/5/2024</a:t>
+              <a:t>2/6/2024</a:t>
             </a:fld>
             <a:endParaRPr lang="en-US" dirty="0"/>
           </a:p>
@@ -7597,7 +7605,7 @@
                   </a:outerShdw>
                 </a:effectLst>
               </a:rPr>
-              <a:t>2/5/2024</a:t>
+              <a:t>2/6/2024</a:t>
             </a:fld>
             <a:endParaRPr lang="en-US" dirty="0">
               <a:solidFill>
@@ -8395,7 +8403,7 @@
             <a:fld id="{DD9E41B7-A2DB-4285-A7A5-A1084718EB55}" type="datetime1">
               <a:rPr lang="en-US" smtClean="0"/>
               <a:pPr/>
-              <a:t>2/5/2024</a:t>
+              <a:t>2/6/2024</a:t>
             </a:fld>
             <a:endParaRPr lang="en-US" dirty="0"/>
           </a:p>
@@ -9255,7 +9263,7 @@
             <a:fld id="{DD9E41B7-A2DB-4285-A7A5-A1084718EB55}" type="datetime1">
               <a:rPr lang="en-US" smtClean="0"/>
               <a:pPr/>
-              <a:t>2/5/2024</a:t>
+              <a:t>2/6/2024</a:t>
             </a:fld>
             <a:endParaRPr lang="en-US" dirty="0"/>
           </a:p>
@@ -9874,7 +9882,7 @@
             <a:fld id="{32546992-DEFF-4765-9FB8-C2ACF446503A}" type="datetime1">
               <a:rPr lang="en-US" smtClean="0"/>
               <a:pPr/>
-              <a:t>2/5/2024</a:t>
+              <a:t>2/6/2024</a:t>
             </a:fld>
             <a:endParaRPr lang="en-US" dirty="0"/>
           </a:p>
@@ -10624,7 +10632,7 @@
           <a:p>
             <a:fld id="{F6852FE2-76E6-44F3-971E-3B1E6B948E41}" type="datetime1">
               <a:rPr lang="en-US" smtClean="0"/>
-              <a:t>2/5/2024</a:t>
+              <a:t>2/6/2024</a:t>
             </a:fld>
             <a:endParaRPr lang="en-US" dirty="0"/>
           </a:p>
@@ -11368,7 +11376,7 @@
           <a:p>
             <a:fld id="{C7049658-B31A-4F62-9996-2FC707C5F2CD}" type="datetime1">
               <a:rPr lang="en-US" smtClean="0"/>
-              <a:t>2/5/2024</a:t>
+              <a:t>2/6/2024</a:t>
             </a:fld>
             <a:endParaRPr lang="en-US" dirty="0"/>
           </a:p>
@@ -11892,7 +11900,7 @@
                 </a:solidFill>
               </a:rPr>
               <a:pPr/>
-              <a:t>2/5/2024</a:t>
+              <a:t>2/6/2024</a:t>
             </a:fld>
             <a:endParaRPr lang="en-US" dirty="0"/>
           </a:p>
@@ -12900,7 +12908,7 @@
           <a:p>
             <a:fld id="{DDA8E063-DAA4-4787-8AA1-15BBB2D38CED}" type="datetime1">
               <a:rPr lang="en-US" smtClean="0"/>
-              <a:t>2/5/2024</a:t>
+              <a:t>2/6/2024</a:t>
             </a:fld>
             <a:endParaRPr lang="en-US" dirty="0"/>
           </a:p>
@@ -13336,7 +13344,7 @@
           <a:p>
             <a:fld id="{DDA8E063-DAA4-4787-8AA1-15BBB2D38CED}" type="datetime1">
               <a:rPr lang="en-US" smtClean="0"/>
-              <a:t>2/5/2024</a:t>
+              <a:t>2/6/2024</a:t>
             </a:fld>
             <a:endParaRPr lang="en-US" dirty="0"/>
           </a:p>
@@ -13805,7 +13813,7 @@
             <a:fld id="{C150E1EA-44FA-4D89-855F-C0B34F87238D}" type="datetime1">
               <a:rPr lang="en-US" smtClean="0"/>
               <a:pPr/>
-              <a:t>2/5/2024</a:t>
+              <a:t>2/6/2024</a:t>
             </a:fld>
             <a:endParaRPr lang="en-US" dirty="0"/>
           </a:p>
@@ -14268,7 +14276,7 @@
           <a:p>
             <a:fld id="{CC5D4559-6AE3-461A-A02E-915BACCC2124}" type="datetime1">
               <a:rPr lang="en-US" smtClean="0"/>
-              <a:t>2/5/2024</a:t>
+              <a:t>2/6/2024</a:t>
             </a:fld>
             <a:endParaRPr lang="en-US" dirty="0"/>
           </a:p>
@@ -15333,7 +15341,7 @@
           <a:p>
             <a:fld id="{CC5D4559-6AE3-461A-A02E-915BACCC2124}" type="datetime1">
               <a:rPr lang="en-US" smtClean="0"/>
-              <a:t>2/5/2024</a:t>
+              <a:t>2/6/2024</a:t>
             </a:fld>
             <a:endParaRPr lang="en-US" dirty="0"/>
           </a:p>
@@ -15597,7 +15605,7 @@
           <a:p>
             <a:fld id="{AAE613A3-7427-4A9A-9B2A-23B005FA5F48}" type="datetime1">
               <a:rPr lang="en-US" smtClean="0"/>
-              <a:t>2/5/2024</a:t>
+              <a:t>2/6/2024</a:t>
             </a:fld>
             <a:endParaRPr lang="en-US" dirty="0"/>
           </a:p>
@@ -17936,7 +17944,7 @@
           <a:p>
             <a:fld id="{DDA8E063-DAA4-4787-8AA1-15BBB2D38CED}" type="datetime1">
               <a:rPr lang="en-US" smtClean="0"/>
-              <a:t>2/5/2024</a:t>
+              <a:t>2/6/2024</a:t>
             </a:fld>
             <a:endParaRPr lang="en-US" dirty="0"/>
           </a:p>
@@ -18001,7 +18009,7 @@
           <a:p>
             <a:r>
               <a:rPr lang="en-US" dirty="0"/>
-              <a:t>Review the injury data published by NEISS report emerging trends related to:</a:t>
+              <a:t>Review the injury data published by NEISS and explore trends related to:</a:t>
             </a:r>
           </a:p>
           <a:p>
@@ -18050,10 +18058,9 @@
               <a:buChar char="•"/>
             </a:pPr>
             <a:r>
-              <a:rPr lang="en-US"/>
+              <a:rPr lang="en-US" dirty="0"/>
               <a:t>Hospital characteristics</a:t>
             </a:r>
-            <a:endParaRPr lang="en-US" dirty="0"/>
           </a:p>
           <a:p>
             <a:pPr marL="285750" indent="-285750">
@@ -18104,8 +18111,13 @@
           <a:p>
             <a:r>
               <a:rPr lang="en-US" dirty="0"/>
-              <a:t>Data from 2013 to 2022 will be in scope for this project.</a:t>
+              <a:t>This project covers injury data from </a:t>
             </a:r>
+            <a:r>
+              <a:rPr lang="en-US"/>
+              <a:t>2013 through 2022.</a:t>
+            </a:r>
+            <a:endParaRPr lang="en-US" dirty="0"/>
           </a:p>
         </p:txBody>
       </p:sp>
@@ -18218,7 +18230,7 @@
           <a:p>
             <a:fld id="{DDA8E063-DAA4-4787-8AA1-15BBB2D38CED}" type="datetime1">
               <a:rPr lang="en-US" smtClean="0"/>
-              <a:t>2/5/2024</a:t>
+              <a:t>2/6/2024</a:t>
             </a:fld>
             <a:endParaRPr lang="en-US" dirty="0"/>
           </a:p>
@@ -18266,7 +18278,7 @@
           <p:nvPr>
             <p:extLst>
               <p:ext uri="{D42A27DB-BD31-4B8C-83A1-F6EECF244321}">
-                <p14:modId xmlns:p14="http://schemas.microsoft.com/office/powerpoint/2010/main" val="2362195626"/>
+                <p14:modId xmlns:p14="http://schemas.microsoft.com/office/powerpoint/2010/main" val="946052752"/>
               </p:ext>
             </p:extLst>
           </p:nvPr>
@@ -18670,6 +18682,57 @@
         <p:spPr>
           <a:xfrm>
             <a:off x="2752510" y="2074413"/>
+            <a:ext cx="719847" cy="697969"/>
+          </a:xfrm>
+          <a:prstGeom prst="smileyFace">
+            <a:avLst/>
+          </a:prstGeom>
+          <a:solidFill>
+            <a:srgbClr val="FFFF00"/>
+          </a:solidFill>
+        </p:spPr>
+        <p:style>
+          <a:lnRef idx="1">
+            <a:schemeClr val="accent3"/>
+          </a:lnRef>
+          <a:fillRef idx="2">
+            <a:schemeClr val="accent3"/>
+          </a:fillRef>
+          <a:effectRef idx="1">
+            <a:schemeClr val="accent3"/>
+          </a:effectRef>
+          <a:fontRef idx="minor">
+            <a:schemeClr val="dk1"/>
+          </a:fontRef>
+        </p:style>
+        <p:txBody>
+          <a:bodyPr rtlCol="0" anchor="ctr"/>
+          <a:lstStyle/>
+          <a:p>
+            <a:pPr algn="ctr"/>
+            <a:endParaRPr lang="en-US">
+              <a:solidFill>
+                <a:schemeClr val="tx1"/>
+              </a:solidFill>
+            </a:endParaRPr>
+          </a:p>
+        </p:txBody>
+      </p:sp>
+      <p:sp>
+        <p:nvSpPr>
+          <p:cNvPr id="7" name="Smiley Face 6">
+            <a:extLst>
+              <a:ext uri="{FF2B5EF4-FFF2-40B4-BE49-F238E27FC236}">
+                <a16:creationId xmlns:a16="http://schemas.microsoft.com/office/drawing/2014/main" id="{7737964F-C004-CA4A-2689-C367398D8397}"/>
+              </a:ext>
+            </a:extLst>
+          </p:cNvPr>
+          <p:cNvSpPr/>
+          <p:nvPr/>
+        </p:nvSpPr>
+        <p:spPr>
+          <a:xfrm>
+            <a:off x="4558613" y="2109458"/>
             <a:ext cx="719847" cy="697969"/>
           </a:xfrm>
           <a:prstGeom prst="smileyFace">
